--- a/ArtificalIntelligence/T01/answer.pptx
+++ b/ArtificalIntelligence/T01/answer.pptx
@@ -261,7 +261,7 @@
           <a:p>
             <a:fld id="{BD77F5E6-84AB-4825-AF43-560C4CC793F3}" type="datetimeFigureOut">
               <a:rPr lang="zh-CN" altLang="en-US" smtClean="0"/>
-              <a:t>2019/9/20</a:t>
+              <a:t>2019/9/24</a:t>
             </a:fld>
             <a:endParaRPr lang="zh-CN" altLang="en-US"/>
           </a:p>
@@ -459,7 +459,7 @@
           <a:p>
             <a:fld id="{BD77F5E6-84AB-4825-AF43-560C4CC793F3}" type="datetimeFigureOut">
               <a:rPr lang="zh-CN" altLang="en-US" smtClean="0"/>
-              <a:t>2019/9/20</a:t>
+              <a:t>2019/9/24</a:t>
             </a:fld>
             <a:endParaRPr lang="zh-CN" altLang="en-US"/>
           </a:p>
@@ -667,7 +667,7 @@
           <a:p>
             <a:fld id="{BD77F5E6-84AB-4825-AF43-560C4CC793F3}" type="datetimeFigureOut">
               <a:rPr lang="zh-CN" altLang="en-US" smtClean="0"/>
-              <a:t>2019/9/20</a:t>
+              <a:t>2019/9/24</a:t>
             </a:fld>
             <a:endParaRPr lang="zh-CN" altLang="en-US"/>
           </a:p>
@@ -865,7 +865,7 @@
           <a:p>
             <a:fld id="{BD77F5E6-84AB-4825-AF43-560C4CC793F3}" type="datetimeFigureOut">
               <a:rPr lang="zh-CN" altLang="en-US" smtClean="0"/>
-              <a:t>2019/9/20</a:t>
+              <a:t>2019/9/24</a:t>
             </a:fld>
             <a:endParaRPr lang="zh-CN" altLang="en-US"/>
           </a:p>
@@ -1140,7 +1140,7 @@
           <a:p>
             <a:fld id="{BD77F5E6-84AB-4825-AF43-560C4CC793F3}" type="datetimeFigureOut">
               <a:rPr lang="zh-CN" altLang="en-US" smtClean="0"/>
-              <a:t>2019/9/20</a:t>
+              <a:t>2019/9/24</a:t>
             </a:fld>
             <a:endParaRPr lang="zh-CN" altLang="en-US"/>
           </a:p>
@@ -1405,7 +1405,7 @@
           <a:p>
             <a:fld id="{BD77F5E6-84AB-4825-AF43-560C4CC793F3}" type="datetimeFigureOut">
               <a:rPr lang="zh-CN" altLang="en-US" smtClean="0"/>
-              <a:t>2019/9/20</a:t>
+              <a:t>2019/9/24</a:t>
             </a:fld>
             <a:endParaRPr lang="zh-CN" altLang="en-US"/>
           </a:p>
@@ -1817,7 +1817,7 @@
           <a:p>
             <a:fld id="{BD77F5E6-84AB-4825-AF43-560C4CC793F3}" type="datetimeFigureOut">
               <a:rPr lang="zh-CN" altLang="en-US" smtClean="0"/>
-              <a:t>2019/9/20</a:t>
+              <a:t>2019/9/24</a:t>
             </a:fld>
             <a:endParaRPr lang="zh-CN" altLang="en-US"/>
           </a:p>
@@ -1958,7 +1958,7 @@
           <a:p>
             <a:fld id="{BD77F5E6-84AB-4825-AF43-560C4CC793F3}" type="datetimeFigureOut">
               <a:rPr lang="zh-CN" altLang="en-US" smtClean="0"/>
-              <a:t>2019/9/20</a:t>
+              <a:t>2019/9/24</a:t>
             </a:fld>
             <a:endParaRPr lang="zh-CN" altLang="en-US"/>
           </a:p>
@@ -2071,7 +2071,7 @@
           <a:p>
             <a:fld id="{BD77F5E6-84AB-4825-AF43-560C4CC793F3}" type="datetimeFigureOut">
               <a:rPr lang="zh-CN" altLang="en-US" smtClean="0"/>
-              <a:t>2019/9/20</a:t>
+              <a:t>2019/9/24</a:t>
             </a:fld>
             <a:endParaRPr lang="zh-CN" altLang="en-US"/>
           </a:p>
@@ -2382,7 +2382,7 @@
           <a:p>
             <a:fld id="{BD77F5E6-84AB-4825-AF43-560C4CC793F3}" type="datetimeFigureOut">
               <a:rPr lang="zh-CN" altLang="en-US" smtClean="0"/>
-              <a:t>2019/9/20</a:t>
+              <a:t>2019/9/24</a:t>
             </a:fld>
             <a:endParaRPr lang="zh-CN" altLang="en-US"/>
           </a:p>
@@ -2670,7 +2670,7 @@
           <a:p>
             <a:fld id="{BD77F5E6-84AB-4825-AF43-560C4CC793F3}" type="datetimeFigureOut">
               <a:rPr lang="zh-CN" altLang="en-US" smtClean="0"/>
-              <a:t>2019/9/20</a:t>
+              <a:t>2019/9/24</a:t>
             </a:fld>
             <a:endParaRPr lang="zh-CN" altLang="en-US"/>
           </a:p>
@@ -2911,7 +2911,7 @@
           <a:p>
             <a:fld id="{BD77F5E6-84AB-4825-AF43-560C4CC793F3}" type="datetimeFigureOut">
               <a:rPr lang="zh-CN" altLang="en-US" smtClean="0"/>
-              <a:t>2019/9/20</a:t>
+              <a:t>2019/9/24</a:t>
             </a:fld>
             <a:endParaRPr lang="zh-CN" altLang="en-US"/>
           </a:p>
@@ -5653,1267 +5653,1848 @@
           <a:chExt cx="0" cy="0"/>
         </a:xfrm>
       </p:grpSpPr>
-      <p:grpSp>
-        <p:nvGrpSpPr>
-          <p:cNvPr id="55" name="组合 54">
-            <a:extLst>
-              <a:ext uri="{FF2B5EF4-FFF2-40B4-BE49-F238E27FC236}">
-                <a16:creationId xmlns:a16="http://schemas.microsoft.com/office/drawing/2014/main" id="{B5B567BB-92C4-4467-A5C2-7FA633184FF0}"/>
-              </a:ext>
-            </a:extLst>
-          </p:cNvPr>
-          <p:cNvGrpSpPr/>
+      <p:sp>
+        <p:nvSpPr>
+          <p:cNvPr id="4" name="文本框 3">
+            <a:extLst>
+              <a:ext uri="{FF2B5EF4-FFF2-40B4-BE49-F238E27FC236}">
+                <a16:creationId xmlns:a16="http://schemas.microsoft.com/office/drawing/2014/main" id="{A1CB007E-E04B-488E-A0EA-DB6004144689}"/>
+              </a:ext>
+            </a:extLst>
+          </p:cNvPr>
+          <p:cNvSpPr txBox="1"/>
           <p:nvPr/>
-        </p:nvGrpSpPr>
-        <p:grpSpPr>
+        </p:nvSpPr>
+        <p:spPr>
           <a:xfrm>
-            <a:off x="168067" y="209134"/>
-            <a:ext cx="12822470" cy="4050862"/>
-            <a:chOff x="168067" y="209134"/>
-            <a:chExt cx="12822470" cy="4050862"/>
+            <a:off x="1989814" y="208997"/>
+            <a:ext cx="1008609" cy="338554"/>
           </a:xfrm>
-        </p:grpSpPr>
-        <p:sp>
-          <p:nvSpPr>
-            <p:cNvPr id="4" name="文本框 3">
-              <a:extLst>
-                <a:ext uri="{FF2B5EF4-FFF2-40B4-BE49-F238E27FC236}">
-                  <a16:creationId xmlns:a16="http://schemas.microsoft.com/office/drawing/2014/main" id="{A1CB007E-E04B-488E-A0EA-DB6004144689}"/>
-                </a:ext>
-              </a:extLst>
-            </p:cNvPr>
-            <p:cNvSpPr txBox="1"/>
-            <p:nvPr/>
-          </p:nvSpPr>
-          <p:spPr>
-            <a:xfrm>
-              <a:off x="3437094" y="209134"/>
-              <a:ext cx="1008609" cy="338554"/>
-            </a:xfrm>
-            <a:prstGeom prst="rect">
-              <a:avLst/>
-            </a:prstGeom>
-            <a:noFill/>
-          </p:spPr>
-          <p:txBody>
-            <a:bodyPr wrap="none" rtlCol="0">
-              <a:spAutoFit/>
-            </a:bodyPr>
-            <a:lstStyle/>
-            <a:p>
-              <a:r>
-                <a:rPr lang="en-US" altLang="zh-CN" sz="1600" dirty="0"/>
-                <a:t>M=5,K=3</a:t>
-              </a:r>
-              <a:endParaRPr lang="zh-CN" altLang="en-US" sz="1600" dirty="0"/>
-            </a:p>
-          </p:txBody>
-        </p:sp>
-        <p:sp>
-          <p:nvSpPr>
-            <p:cNvPr id="5" name="文本框 4">
-              <a:extLst>
-                <a:ext uri="{FF2B5EF4-FFF2-40B4-BE49-F238E27FC236}">
-                  <a16:creationId xmlns:a16="http://schemas.microsoft.com/office/drawing/2014/main" id="{13C08B50-76E0-4D80-9449-ADEC761D008D}"/>
-                </a:ext>
-              </a:extLst>
-            </p:cNvPr>
-            <p:cNvSpPr txBox="1"/>
-            <p:nvPr/>
-          </p:nvSpPr>
-          <p:spPr>
-            <a:xfrm>
-              <a:off x="5246844" y="209134"/>
-              <a:ext cx="725331" cy="338554"/>
-            </a:xfrm>
-            <a:prstGeom prst="rect">
-              <a:avLst/>
-            </a:prstGeom>
-            <a:noFill/>
-          </p:spPr>
-          <p:txBody>
-            <a:bodyPr wrap="square" rtlCol="0">
-              <a:spAutoFit/>
-            </a:bodyPr>
-            <a:lstStyle/>
-            <a:p>
-              <a:r>
-                <a:rPr lang="en-US" altLang="zh-CN" sz="1600" dirty="0"/>
-                <a:t>(5,5,1)</a:t>
-              </a:r>
-              <a:endParaRPr lang="zh-CN" altLang="en-US" sz="1600" dirty="0"/>
-            </a:p>
-          </p:txBody>
-        </p:sp>
-        <p:sp>
-          <p:nvSpPr>
-            <p:cNvPr id="6" name="文本框 5">
-              <a:extLst>
-                <a:ext uri="{FF2B5EF4-FFF2-40B4-BE49-F238E27FC236}">
-                  <a16:creationId xmlns:a16="http://schemas.microsoft.com/office/drawing/2014/main" id="{1F3BEC51-A77D-481A-A9C7-D09A4782EFDE}"/>
-                </a:ext>
-              </a:extLst>
-            </p:cNvPr>
-            <p:cNvSpPr txBox="1"/>
-            <p:nvPr/>
-          </p:nvSpPr>
-          <p:spPr>
-            <a:xfrm>
-              <a:off x="168067" y="885409"/>
-              <a:ext cx="1594058" cy="830997"/>
-            </a:xfrm>
-            <a:prstGeom prst="rect">
-              <a:avLst/>
-            </a:prstGeom>
-            <a:noFill/>
-          </p:spPr>
-          <p:txBody>
-            <a:bodyPr wrap="square" rtlCol="0">
-              <a:spAutoFit/>
-            </a:bodyPr>
-            <a:lstStyle/>
-            <a:p>
-              <a:r>
-                <a:rPr lang="en-US" altLang="zh-CN" sz="1600" dirty="0"/>
-                <a:t>(0,1)=&gt;(5,4,0)</a:t>
-              </a:r>
-            </a:p>
-            <a:p>
-              <a:r>
-                <a:rPr lang="en-US" altLang="zh-CN" sz="1600" dirty="0"/>
-                <a:t>g=1 h=9</a:t>
-              </a:r>
-            </a:p>
-            <a:p>
-              <a:r>
-                <a:rPr lang="en-US" altLang="zh-CN" sz="1600" dirty="0"/>
-                <a:t>f=10</a:t>
-              </a:r>
-              <a:endParaRPr lang="zh-CN" altLang="en-US" sz="1600" dirty="0"/>
-            </a:p>
-          </p:txBody>
-        </p:sp>
-        <p:sp>
-          <p:nvSpPr>
-            <p:cNvPr id="7" name="文本框 6">
-              <a:extLst>
-                <a:ext uri="{FF2B5EF4-FFF2-40B4-BE49-F238E27FC236}">
-                  <a16:creationId xmlns:a16="http://schemas.microsoft.com/office/drawing/2014/main" id="{25F4199D-650B-4C8A-BF6A-FB1066CC1880}"/>
-                </a:ext>
-              </a:extLst>
-            </p:cNvPr>
-            <p:cNvSpPr txBox="1"/>
-            <p:nvPr/>
-          </p:nvSpPr>
-          <p:spPr>
-            <a:xfrm>
-              <a:off x="2039469" y="885409"/>
-              <a:ext cx="1594058" cy="830997"/>
-            </a:xfrm>
-            <a:prstGeom prst="rect">
-              <a:avLst/>
-            </a:prstGeom>
-            <a:noFill/>
-          </p:spPr>
-          <p:txBody>
-            <a:bodyPr wrap="square" rtlCol="0">
-              <a:spAutoFit/>
-            </a:bodyPr>
-            <a:lstStyle/>
-            <a:p>
-              <a:r>
-                <a:rPr lang="en-US" altLang="zh-CN" sz="1600" dirty="0"/>
-                <a:t>(0,2)=&gt;(5,3,0)</a:t>
-              </a:r>
-            </a:p>
-            <a:p>
-              <a:r>
-                <a:rPr lang="en-US" altLang="zh-CN" sz="1600" dirty="0"/>
-                <a:t>g=1 h=8</a:t>
-              </a:r>
-            </a:p>
-            <a:p>
-              <a:r>
-                <a:rPr lang="en-US" altLang="zh-CN" sz="1600" dirty="0"/>
-                <a:t>f=9</a:t>
-              </a:r>
-              <a:endParaRPr lang="zh-CN" altLang="en-US" sz="1600" dirty="0"/>
-            </a:p>
-          </p:txBody>
-        </p:sp>
-        <p:sp>
-          <p:nvSpPr>
-            <p:cNvPr id="8" name="文本框 7">
-              <a:extLst>
-                <a:ext uri="{FF2B5EF4-FFF2-40B4-BE49-F238E27FC236}">
-                  <a16:creationId xmlns:a16="http://schemas.microsoft.com/office/drawing/2014/main" id="{E63210C9-F640-4D0F-AD38-6F19263FCF12}"/>
-                </a:ext>
-              </a:extLst>
-            </p:cNvPr>
-            <p:cNvSpPr txBox="1"/>
-            <p:nvPr/>
-          </p:nvSpPr>
-          <p:spPr>
-            <a:xfrm>
-              <a:off x="3910871" y="885408"/>
-              <a:ext cx="1594058" cy="830997"/>
-            </a:xfrm>
-            <a:prstGeom prst="rect">
-              <a:avLst/>
-            </a:prstGeom>
-            <a:noFill/>
-          </p:spPr>
-          <p:txBody>
-            <a:bodyPr wrap="square" rtlCol="0">
-              <a:spAutoFit/>
-            </a:bodyPr>
-            <a:lstStyle/>
-            <a:p>
-              <a:r>
-                <a:rPr lang="en-US" altLang="zh-CN" sz="1600" dirty="0"/>
-                <a:t>(0,3)=&gt;(5,2,0)</a:t>
-              </a:r>
-            </a:p>
-            <a:p>
-              <a:r>
-                <a:rPr lang="en-US" altLang="zh-CN" sz="1600" dirty="0"/>
-                <a:t>g=1 h=7</a:t>
-              </a:r>
-            </a:p>
-            <a:p>
-              <a:r>
-                <a:rPr lang="en-US" altLang="zh-CN" sz="1600" dirty="0"/>
-                <a:t>f=8</a:t>
-              </a:r>
-              <a:endParaRPr lang="zh-CN" altLang="en-US" sz="1600" dirty="0"/>
-            </a:p>
-          </p:txBody>
-        </p:sp>
-        <p:sp>
-          <p:nvSpPr>
-            <p:cNvPr id="9" name="文本框 8">
-              <a:extLst>
-                <a:ext uri="{FF2B5EF4-FFF2-40B4-BE49-F238E27FC236}">
-                  <a16:creationId xmlns:a16="http://schemas.microsoft.com/office/drawing/2014/main" id="{0B227798-6003-4569-9393-940F47E38AE9}"/>
-                </a:ext>
-              </a:extLst>
-            </p:cNvPr>
-            <p:cNvSpPr txBox="1"/>
-            <p:nvPr/>
-          </p:nvSpPr>
-          <p:spPr>
-            <a:xfrm>
-              <a:off x="5782273" y="885407"/>
-              <a:ext cx="1594058" cy="830997"/>
-            </a:xfrm>
-            <a:prstGeom prst="rect">
-              <a:avLst/>
-            </a:prstGeom>
-            <a:noFill/>
-          </p:spPr>
-          <p:txBody>
-            <a:bodyPr wrap="square" rtlCol="0">
-              <a:spAutoFit/>
-            </a:bodyPr>
-            <a:lstStyle/>
-            <a:p>
-              <a:r>
-                <a:rPr lang="en-US" altLang="zh-CN" sz="1600" dirty="0"/>
-                <a:t>(1,1)=&gt;(4,4,0)</a:t>
-              </a:r>
-            </a:p>
-            <a:p>
-              <a:r>
-                <a:rPr lang="en-US" altLang="zh-CN" sz="1600" dirty="0"/>
-                <a:t>g=1 h=8</a:t>
-              </a:r>
-            </a:p>
-            <a:p>
-              <a:r>
-                <a:rPr lang="en-US" altLang="zh-CN" sz="1600" dirty="0"/>
-                <a:t>f=9</a:t>
-              </a:r>
-              <a:endParaRPr lang="zh-CN" altLang="en-US" sz="1600" dirty="0"/>
-            </a:p>
-          </p:txBody>
-        </p:sp>
-        <p:sp>
-          <p:nvSpPr>
-            <p:cNvPr id="10" name="文本框 9">
-              <a:extLst>
-                <a:ext uri="{FF2B5EF4-FFF2-40B4-BE49-F238E27FC236}">
-                  <a16:creationId xmlns:a16="http://schemas.microsoft.com/office/drawing/2014/main" id="{459E13DE-24EC-4B58-8E65-70F8C6A0A202}"/>
-                </a:ext>
-              </a:extLst>
-            </p:cNvPr>
-            <p:cNvSpPr txBox="1"/>
-            <p:nvPr/>
-          </p:nvSpPr>
-          <p:spPr>
-            <a:xfrm>
-              <a:off x="7653675" y="885406"/>
-              <a:ext cx="1594058" cy="830997"/>
-            </a:xfrm>
-            <a:prstGeom prst="rect">
-              <a:avLst/>
-            </a:prstGeom>
-            <a:noFill/>
-          </p:spPr>
-          <p:txBody>
-            <a:bodyPr wrap="square" rtlCol="0">
-              <a:spAutoFit/>
-            </a:bodyPr>
-            <a:lstStyle/>
-            <a:p>
-              <a:r>
-                <a:rPr lang="en-US" altLang="zh-CN" sz="1600" dirty="0"/>
-                <a:t>(2,2)=&gt;(3,3,0)</a:t>
-              </a:r>
-            </a:p>
-            <a:p>
-              <a:r>
-                <a:rPr lang="en-US" altLang="zh-CN" sz="1600" dirty="0"/>
-                <a:t>g=1 h=6</a:t>
-              </a:r>
-            </a:p>
-            <a:p>
-              <a:r>
-                <a:rPr lang="en-US" altLang="zh-CN" sz="1600" dirty="0"/>
-                <a:t>f=7</a:t>
-              </a:r>
-              <a:endParaRPr lang="zh-CN" altLang="en-US" sz="1600" dirty="0"/>
-            </a:p>
-          </p:txBody>
-        </p:sp>
-        <p:sp>
-          <p:nvSpPr>
-            <p:cNvPr id="11" name="文本框 10">
-              <a:extLst>
-                <a:ext uri="{FF2B5EF4-FFF2-40B4-BE49-F238E27FC236}">
-                  <a16:creationId xmlns:a16="http://schemas.microsoft.com/office/drawing/2014/main" id="{A37019FC-BDF8-4AEB-9225-4A251C2E7FE2}"/>
-                </a:ext>
-              </a:extLst>
-            </p:cNvPr>
-            <p:cNvSpPr txBox="1"/>
-            <p:nvPr/>
-          </p:nvSpPr>
-          <p:spPr>
-            <a:xfrm>
-              <a:off x="9525077" y="894513"/>
-              <a:ext cx="1594058" cy="830997"/>
-            </a:xfrm>
-            <a:prstGeom prst="rect">
-              <a:avLst/>
-            </a:prstGeom>
-            <a:noFill/>
-          </p:spPr>
-          <p:txBody>
-            <a:bodyPr wrap="square" rtlCol="0">
-              <a:spAutoFit/>
-            </a:bodyPr>
-            <a:lstStyle/>
-            <a:p>
-              <a:r>
-                <a:rPr lang="en-US" altLang="zh-CN" sz="1600" dirty="0"/>
-                <a:t>(3,3)=&gt;(2,2,0)</a:t>
-              </a:r>
-            </a:p>
-            <a:p>
-              <a:r>
-                <a:rPr lang="en-US" altLang="zh-CN" sz="1600" dirty="0"/>
-                <a:t>g=1 h=4</a:t>
-              </a:r>
-            </a:p>
-            <a:p>
-              <a:r>
-                <a:rPr lang="en-US" altLang="zh-CN" sz="1600" dirty="0"/>
-                <a:t>f=5</a:t>
-              </a:r>
-              <a:endParaRPr lang="zh-CN" altLang="en-US" sz="1600" dirty="0"/>
-            </a:p>
-          </p:txBody>
-        </p:sp>
-        <p:sp>
-          <p:nvSpPr>
-            <p:cNvPr id="12" name="文本框 11">
-              <a:extLst>
-                <a:ext uri="{FF2B5EF4-FFF2-40B4-BE49-F238E27FC236}">
-                  <a16:creationId xmlns:a16="http://schemas.microsoft.com/office/drawing/2014/main" id="{08291885-8F8F-407B-AD9A-965D603C2210}"/>
-                </a:ext>
-              </a:extLst>
-            </p:cNvPr>
-            <p:cNvSpPr txBox="1"/>
-            <p:nvPr/>
-          </p:nvSpPr>
-          <p:spPr>
-            <a:xfrm>
-              <a:off x="7653675" y="2228432"/>
-              <a:ext cx="1594058" cy="830997"/>
-            </a:xfrm>
-            <a:prstGeom prst="rect">
-              <a:avLst/>
-            </a:prstGeom>
-            <a:noFill/>
-          </p:spPr>
-          <p:txBody>
-            <a:bodyPr wrap="square" rtlCol="0">
-              <a:spAutoFit/>
-            </a:bodyPr>
-            <a:lstStyle/>
-            <a:p>
-              <a:r>
-                <a:rPr lang="en-US" altLang="zh-CN" sz="1600" dirty="0"/>
-                <a:t>(1,1)=&gt;(3,3,1)</a:t>
-              </a:r>
-            </a:p>
-            <a:p>
-              <a:r>
-                <a:rPr lang="en-US" altLang="zh-CN" sz="1600" dirty="0"/>
-                <a:t>g=2 h=4</a:t>
-              </a:r>
-            </a:p>
-            <a:p>
-              <a:r>
-                <a:rPr lang="en-US" altLang="zh-CN" sz="1600" dirty="0"/>
-                <a:t>f=6</a:t>
-              </a:r>
-              <a:endParaRPr lang="zh-CN" altLang="en-US" sz="1600" dirty="0"/>
-            </a:p>
-          </p:txBody>
-        </p:sp>
-        <p:sp>
-          <p:nvSpPr>
-            <p:cNvPr id="13" name="文本框 12">
-              <a:extLst>
-                <a:ext uri="{FF2B5EF4-FFF2-40B4-BE49-F238E27FC236}">
-                  <a16:creationId xmlns:a16="http://schemas.microsoft.com/office/drawing/2014/main" id="{C609D5A7-FA5E-41BD-9722-D23E414B4BFD}"/>
-                </a:ext>
-              </a:extLst>
-            </p:cNvPr>
-            <p:cNvSpPr txBox="1"/>
-            <p:nvPr/>
-          </p:nvSpPr>
-          <p:spPr>
-            <a:xfrm>
-              <a:off x="9525077" y="2228432"/>
-              <a:ext cx="1594058" cy="830997"/>
-            </a:xfrm>
-            <a:prstGeom prst="rect">
-              <a:avLst/>
-            </a:prstGeom>
-            <a:noFill/>
-          </p:spPr>
-          <p:txBody>
-            <a:bodyPr wrap="square" rtlCol="0">
-              <a:spAutoFit/>
-            </a:bodyPr>
-            <a:lstStyle/>
-            <a:p>
-              <a:r>
-                <a:rPr lang="en-US" altLang="zh-CN" sz="1600" dirty="0"/>
-                <a:t>(2,2)=&gt;(4,4,1)</a:t>
-              </a:r>
-            </a:p>
-            <a:p>
-              <a:r>
-                <a:rPr lang="en-US" altLang="zh-CN" sz="1600" dirty="0"/>
-                <a:t>g=2 h=6</a:t>
-              </a:r>
-            </a:p>
-            <a:p>
-              <a:r>
-                <a:rPr lang="en-US" altLang="zh-CN" sz="1600" dirty="0"/>
-                <a:t>f=8</a:t>
-              </a:r>
-              <a:endParaRPr lang="zh-CN" altLang="en-US" sz="1600" dirty="0"/>
-            </a:p>
-          </p:txBody>
-        </p:sp>
-        <p:sp>
-          <p:nvSpPr>
-            <p:cNvPr id="14" name="文本框 13">
-              <a:extLst>
-                <a:ext uri="{FF2B5EF4-FFF2-40B4-BE49-F238E27FC236}">
-                  <a16:creationId xmlns:a16="http://schemas.microsoft.com/office/drawing/2014/main" id="{30DE9912-5A91-4631-926E-700EBDD95F40}"/>
-                </a:ext>
-              </a:extLst>
-            </p:cNvPr>
-            <p:cNvSpPr txBox="1"/>
-            <p:nvPr/>
-          </p:nvSpPr>
-          <p:spPr>
-            <a:xfrm>
-              <a:off x="11396479" y="2228432"/>
-              <a:ext cx="1594058" cy="830997"/>
-            </a:xfrm>
-            <a:prstGeom prst="rect">
-              <a:avLst/>
-            </a:prstGeom>
-            <a:noFill/>
-          </p:spPr>
-          <p:txBody>
-            <a:bodyPr wrap="square" rtlCol="0">
-              <a:spAutoFit/>
-            </a:bodyPr>
-            <a:lstStyle/>
-            <a:p>
-              <a:r>
-                <a:rPr lang="en-US" altLang="zh-CN" sz="1600" dirty="0"/>
-                <a:t>(3,3)=&gt;(5,5,1)</a:t>
-              </a:r>
-            </a:p>
-            <a:p>
-              <a:r>
-                <a:rPr lang="en-US" altLang="zh-CN" sz="1600" dirty="0"/>
-                <a:t>g=2 h=8</a:t>
-              </a:r>
-            </a:p>
-            <a:p>
-              <a:r>
-                <a:rPr lang="en-US" altLang="zh-CN" sz="1600" dirty="0"/>
-                <a:t>f=10</a:t>
-              </a:r>
-              <a:endParaRPr lang="zh-CN" altLang="en-US" sz="1600" dirty="0"/>
-            </a:p>
-          </p:txBody>
-        </p:sp>
-        <p:sp>
-          <p:nvSpPr>
-            <p:cNvPr id="15" name="文本框 14">
-              <a:extLst>
-                <a:ext uri="{FF2B5EF4-FFF2-40B4-BE49-F238E27FC236}">
-                  <a16:creationId xmlns:a16="http://schemas.microsoft.com/office/drawing/2014/main" id="{3AE6B631-006A-4F62-8660-C4D5C4F497B1}"/>
-                </a:ext>
-              </a:extLst>
-            </p:cNvPr>
-            <p:cNvSpPr txBox="1"/>
-            <p:nvPr/>
-          </p:nvSpPr>
-          <p:spPr>
-            <a:xfrm>
-              <a:off x="5782273" y="3428997"/>
-              <a:ext cx="1594058" cy="830997"/>
-            </a:xfrm>
-            <a:prstGeom prst="rect">
-              <a:avLst/>
-            </a:prstGeom>
-            <a:noFill/>
-          </p:spPr>
-          <p:txBody>
-            <a:bodyPr wrap="square" rtlCol="0">
-              <a:spAutoFit/>
-            </a:bodyPr>
-            <a:lstStyle/>
-            <a:p>
-              <a:r>
-                <a:rPr lang="en-US" altLang="zh-CN" sz="1600" dirty="0"/>
-                <a:t>(1,1)=&gt;(2,2,0)</a:t>
-              </a:r>
-            </a:p>
-            <a:p>
-              <a:r>
-                <a:rPr lang="en-US" altLang="zh-CN" sz="1600" dirty="0"/>
-                <a:t>g=3 h=4</a:t>
-              </a:r>
-            </a:p>
-            <a:p>
-              <a:r>
-                <a:rPr lang="en-US" altLang="zh-CN" sz="1600" dirty="0"/>
-                <a:t>f=7</a:t>
-              </a:r>
-              <a:endParaRPr lang="zh-CN" altLang="en-US" sz="1600" dirty="0"/>
-            </a:p>
-          </p:txBody>
-        </p:sp>
-        <p:sp>
-          <p:nvSpPr>
-            <p:cNvPr id="16" name="文本框 15">
-              <a:extLst>
-                <a:ext uri="{FF2B5EF4-FFF2-40B4-BE49-F238E27FC236}">
-                  <a16:creationId xmlns:a16="http://schemas.microsoft.com/office/drawing/2014/main" id="{E8178DA2-4FE9-470D-9951-98CED0F8561A}"/>
-                </a:ext>
-              </a:extLst>
-            </p:cNvPr>
-            <p:cNvSpPr txBox="1"/>
-            <p:nvPr/>
-          </p:nvSpPr>
-          <p:spPr>
-            <a:xfrm>
-              <a:off x="7653675" y="3428999"/>
-              <a:ext cx="1594058" cy="830997"/>
-            </a:xfrm>
-            <a:prstGeom prst="rect">
-              <a:avLst/>
-            </a:prstGeom>
-            <a:noFill/>
-          </p:spPr>
-          <p:txBody>
-            <a:bodyPr wrap="square" rtlCol="0">
-              <a:spAutoFit/>
-            </a:bodyPr>
-            <a:lstStyle/>
-            <a:p>
-              <a:r>
-                <a:rPr lang="en-US" altLang="zh-CN" sz="1600" dirty="0"/>
-                <a:t>(2,2)=&gt;(1,1,0)</a:t>
-              </a:r>
-            </a:p>
-            <a:p>
-              <a:r>
-                <a:rPr lang="en-US" altLang="zh-CN" sz="1600" dirty="0"/>
-                <a:t>g=3 h=2</a:t>
-              </a:r>
-            </a:p>
-            <a:p>
-              <a:r>
-                <a:rPr lang="en-US" altLang="zh-CN" sz="1600" dirty="0"/>
-                <a:t>f=5</a:t>
-              </a:r>
-              <a:endParaRPr lang="zh-CN" altLang="en-US" sz="1600" dirty="0"/>
-            </a:p>
-          </p:txBody>
-        </p:sp>
-        <p:sp>
-          <p:nvSpPr>
-            <p:cNvPr id="17" name="文本框 16">
-              <a:extLst>
-                <a:ext uri="{FF2B5EF4-FFF2-40B4-BE49-F238E27FC236}">
-                  <a16:creationId xmlns:a16="http://schemas.microsoft.com/office/drawing/2014/main" id="{8731E370-77ED-47A9-A392-50C440BCE4BA}"/>
-                </a:ext>
-              </a:extLst>
-            </p:cNvPr>
-            <p:cNvSpPr txBox="1"/>
-            <p:nvPr/>
-          </p:nvSpPr>
-          <p:spPr>
-            <a:xfrm>
-              <a:off x="9525077" y="3428998"/>
-              <a:ext cx="1594058" cy="830997"/>
-            </a:xfrm>
-            <a:prstGeom prst="rect">
-              <a:avLst/>
-            </a:prstGeom>
-            <a:noFill/>
-          </p:spPr>
-          <p:txBody>
-            <a:bodyPr wrap="square" rtlCol="0">
-              <a:spAutoFit/>
-            </a:bodyPr>
-            <a:lstStyle/>
-            <a:p>
-              <a:r>
-                <a:rPr lang="en-US" altLang="zh-CN" sz="1600" dirty="0"/>
-                <a:t>(3,3)=&gt;(0,0,0)</a:t>
-              </a:r>
-            </a:p>
-            <a:p>
-              <a:r>
-                <a:rPr lang="en-US" altLang="zh-CN" sz="1600" dirty="0"/>
-                <a:t>g=3 h=0</a:t>
-              </a:r>
-            </a:p>
-            <a:p>
-              <a:r>
-                <a:rPr lang="en-US" altLang="zh-CN" sz="1600" dirty="0"/>
-                <a:t>f=3</a:t>
-              </a:r>
-              <a:endParaRPr lang="zh-CN" altLang="en-US" sz="1600" dirty="0"/>
-            </a:p>
-          </p:txBody>
-        </p:sp>
-        <p:sp>
-          <p:nvSpPr>
-            <p:cNvPr id="18" name="椭圆 17">
-              <a:extLst>
-                <a:ext uri="{FF2B5EF4-FFF2-40B4-BE49-F238E27FC236}">
-                  <a16:creationId xmlns:a16="http://schemas.microsoft.com/office/drawing/2014/main" id="{8CA47D73-1B93-43DB-BBDA-6309394FDE44}"/>
-                </a:ext>
-              </a:extLst>
-            </p:cNvPr>
-            <p:cNvSpPr/>
-            <p:nvPr/>
-          </p:nvSpPr>
-          <p:spPr>
-            <a:xfrm>
-              <a:off x="9267805" y="3428997"/>
-              <a:ext cx="1851330" cy="830997"/>
-            </a:xfrm>
-            <a:prstGeom prst="ellipse">
-              <a:avLst/>
-            </a:prstGeom>
-            <a:noFill/>
-            <a:ln w="28575">
-              <a:solidFill>
-                <a:srgbClr val="FF0000"/>
-              </a:solidFill>
-            </a:ln>
-          </p:spPr>
-          <p:style>
-            <a:lnRef idx="2">
-              <a:schemeClr val="accent1">
-                <a:shade val="50000"/>
-              </a:schemeClr>
-            </a:lnRef>
-            <a:fillRef idx="1">
-              <a:schemeClr val="accent1"/>
-            </a:fillRef>
-            <a:effectRef idx="0">
-              <a:schemeClr val="accent1"/>
-            </a:effectRef>
-            <a:fontRef idx="minor">
-              <a:schemeClr val="lt1"/>
-            </a:fontRef>
-          </p:style>
-          <p:txBody>
-            <a:bodyPr rtlCol="0" anchor="ctr"/>
-            <a:lstStyle/>
-            <a:p>
-              <a:pPr algn="ctr"/>
-              <a:endParaRPr lang="zh-CN" altLang="en-US"/>
-            </a:p>
-          </p:txBody>
-        </p:sp>
-        <p:cxnSp>
-          <p:nvCxnSpPr>
-            <p:cNvPr id="19" name="直接连接符 18">
-              <a:extLst>
-                <a:ext uri="{FF2B5EF4-FFF2-40B4-BE49-F238E27FC236}">
-                  <a16:creationId xmlns:a16="http://schemas.microsoft.com/office/drawing/2014/main" id="{84BBBF10-9905-417E-96F9-913649C22E56}"/>
-                </a:ext>
-              </a:extLst>
-            </p:cNvPr>
-            <p:cNvCxnSpPr>
-              <a:cxnSpLocks/>
-              <a:stCxn id="6" idx="0"/>
-              <a:endCxn id="5" idx="2"/>
-            </p:cNvCxnSpPr>
-            <p:nvPr/>
-          </p:nvCxnSpPr>
-          <p:spPr>
-            <a:xfrm flipV="1">
-              <a:off x="965096" y="547688"/>
-              <a:ext cx="4644414" cy="337721"/>
-            </a:xfrm>
-            <a:prstGeom prst="line">
-              <a:avLst/>
-            </a:prstGeom>
-            <a:ln>
-              <a:solidFill>
-                <a:schemeClr val="tx1"/>
-              </a:solidFill>
-            </a:ln>
-          </p:spPr>
-          <p:style>
-            <a:lnRef idx="1">
-              <a:schemeClr val="accent1"/>
-            </a:lnRef>
-            <a:fillRef idx="0">
-              <a:schemeClr val="accent1"/>
-            </a:fillRef>
-            <a:effectRef idx="0">
-              <a:schemeClr val="accent1"/>
-            </a:effectRef>
-            <a:fontRef idx="minor">
+          <a:prstGeom prst="rect">
+            <a:avLst/>
+          </a:prstGeom>
+          <a:noFill/>
+        </p:spPr>
+        <p:txBody>
+          <a:bodyPr wrap="none" rtlCol="0">
+            <a:spAutoFit/>
+          </a:bodyPr>
+          <a:lstStyle/>
+          <a:p>
+            <a:r>
+              <a:rPr lang="en-US" altLang="zh-CN" sz="1600" dirty="0"/>
+              <a:t>M=5,K=3</a:t>
+            </a:r>
+            <a:endParaRPr lang="zh-CN" altLang="en-US" sz="1600" dirty="0"/>
+          </a:p>
+        </p:txBody>
+      </p:sp>
+      <p:sp>
+        <p:nvSpPr>
+          <p:cNvPr id="5" name="文本框 4">
+            <a:extLst>
+              <a:ext uri="{FF2B5EF4-FFF2-40B4-BE49-F238E27FC236}">
+                <a16:creationId xmlns:a16="http://schemas.microsoft.com/office/drawing/2014/main" id="{13C08B50-76E0-4D80-9449-ADEC761D008D}"/>
+              </a:ext>
+            </a:extLst>
+          </p:cNvPr>
+          <p:cNvSpPr txBox="1"/>
+          <p:nvPr/>
+        </p:nvSpPr>
+        <p:spPr>
+          <a:xfrm>
+            <a:off x="3681572" y="208997"/>
+            <a:ext cx="725331" cy="338554"/>
+          </a:xfrm>
+          <a:prstGeom prst="rect">
+            <a:avLst/>
+          </a:prstGeom>
+          <a:noFill/>
+        </p:spPr>
+        <p:txBody>
+          <a:bodyPr wrap="square" rtlCol="0">
+            <a:spAutoFit/>
+          </a:bodyPr>
+          <a:lstStyle/>
+          <a:p>
+            <a:r>
+              <a:rPr lang="en-US" altLang="zh-CN" sz="1600" dirty="0"/>
+              <a:t>(5,5,1)</a:t>
+            </a:r>
+            <a:endParaRPr lang="zh-CN" altLang="en-US" sz="1600" dirty="0"/>
+          </a:p>
+        </p:txBody>
+      </p:sp>
+      <p:sp>
+        <p:nvSpPr>
+          <p:cNvPr id="6" name="文本框 5">
+            <a:extLst>
+              <a:ext uri="{FF2B5EF4-FFF2-40B4-BE49-F238E27FC236}">
+                <a16:creationId xmlns:a16="http://schemas.microsoft.com/office/drawing/2014/main" id="{1F3BEC51-A77D-481A-A9C7-D09A4782EFDE}"/>
+              </a:ext>
+            </a:extLst>
+          </p:cNvPr>
+          <p:cNvSpPr txBox="1"/>
+          <p:nvPr/>
+        </p:nvSpPr>
+        <p:spPr>
+          <a:xfrm>
+            <a:off x="168067" y="885409"/>
+            <a:ext cx="1594058" cy="830997"/>
+          </a:xfrm>
+          <a:prstGeom prst="rect">
+            <a:avLst/>
+          </a:prstGeom>
+          <a:noFill/>
+        </p:spPr>
+        <p:txBody>
+          <a:bodyPr wrap="square" rtlCol="0">
+            <a:spAutoFit/>
+          </a:bodyPr>
+          <a:lstStyle/>
+          <a:p>
+            <a:r>
+              <a:rPr lang="en-US" altLang="zh-CN" sz="1600" dirty="0"/>
+              <a:t>(0,1)=&gt;(5,4,0)</a:t>
+            </a:r>
+          </a:p>
+          <a:p>
+            <a:r>
+              <a:rPr lang="en-US" altLang="zh-CN" sz="1600" dirty="0"/>
+              <a:t>g=1 h=9</a:t>
+            </a:r>
+          </a:p>
+          <a:p>
+            <a:r>
+              <a:rPr lang="en-US" altLang="zh-CN" sz="1600" dirty="0"/>
+              <a:t>f=10</a:t>
+            </a:r>
+            <a:endParaRPr lang="zh-CN" altLang="en-US" sz="1600" dirty="0"/>
+          </a:p>
+        </p:txBody>
+      </p:sp>
+      <p:sp>
+        <p:nvSpPr>
+          <p:cNvPr id="7" name="文本框 6">
+            <a:extLst>
+              <a:ext uri="{FF2B5EF4-FFF2-40B4-BE49-F238E27FC236}">
+                <a16:creationId xmlns:a16="http://schemas.microsoft.com/office/drawing/2014/main" id="{25F4199D-650B-4C8A-BF6A-FB1066CC1880}"/>
+              </a:ext>
+            </a:extLst>
+          </p:cNvPr>
+          <p:cNvSpPr txBox="1"/>
+          <p:nvPr/>
+        </p:nvSpPr>
+        <p:spPr>
+          <a:xfrm>
+            <a:off x="2039469" y="885409"/>
+            <a:ext cx="1594058" cy="830997"/>
+          </a:xfrm>
+          <a:prstGeom prst="rect">
+            <a:avLst/>
+          </a:prstGeom>
+          <a:noFill/>
+        </p:spPr>
+        <p:txBody>
+          <a:bodyPr wrap="square" rtlCol="0">
+            <a:spAutoFit/>
+          </a:bodyPr>
+          <a:lstStyle/>
+          <a:p>
+            <a:r>
+              <a:rPr lang="en-US" altLang="zh-CN" sz="1600" dirty="0"/>
+              <a:t>(0,2)=&gt;(5,3,0)</a:t>
+            </a:r>
+          </a:p>
+          <a:p>
+            <a:r>
+              <a:rPr lang="en-US" altLang="zh-CN" sz="1600" dirty="0"/>
+              <a:t>g=1 h=8</a:t>
+            </a:r>
+          </a:p>
+          <a:p>
+            <a:r>
+              <a:rPr lang="en-US" altLang="zh-CN" sz="1600" dirty="0"/>
+              <a:t>f=9</a:t>
+            </a:r>
+            <a:endParaRPr lang="zh-CN" altLang="en-US" sz="1600" dirty="0"/>
+          </a:p>
+        </p:txBody>
+      </p:sp>
+      <p:sp>
+        <p:nvSpPr>
+          <p:cNvPr id="8" name="文本框 7">
+            <a:extLst>
+              <a:ext uri="{FF2B5EF4-FFF2-40B4-BE49-F238E27FC236}">
+                <a16:creationId xmlns:a16="http://schemas.microsoft.com/office/drawing/2014/main" id="{E63210C9-F640-4D0F-AD38-6F19263FCF12}"/>
+              </a:ext>
+            </a:extLst>
+          </p:cNvPr>
+          <p:cNvSpPr txBox="1"/>
+          <p:nvPr/>
+        </p:nvSpPr>
+        <p:spPr>
+          <a:xfrm>
+            <a:off x="3910871" y="885407"/>
+            <a:ext cx="1594058" cy="830997"/>
+          </a:xfrm>
+          <a:prstGeom prst="rect">
+            <a:avLst/>
+          </a:prstGeom>
+          <a:noFill/>
+        </p:spPr>
+        <p:txBody>
+          <a:bodyPr wrap="square" rtlCol="0">
+            <a:spAutoFit/>
+          </a:bodyPr>
+          <a:lstStyle/>
+          <a:p>
+            <a:r>
+              <a:rPr lang="en-US" altLang="zh-CN" sz="1600" dirty="0"/>
+              <a:t>(0,3)=&gt;(5,2,0)</a:t>
+            </a:r>
+          </a:p>
+          <a:p>
+            <a:r>
+              <a:rPr lang="en-US" altLang="zh-CN" sz="1600" dirty="0"/>
+              <a:t>g=1 h=7 (0,3)</a:t>
+            </a:r>
+          </a:p>
+          <a:p>
+            <a:r>
+              <a:rPr lang="en-US" altLang="zh-CN" sz="1600" dirty="0"/>
+              <a:t>f=8</a:t>
+            </a:r>
+            <a:endParaRPr lang="zh-CN" altLang="en-US" sz="1600" dirty="0"/>
+          </a:p>
+        </p:txBody>
+      </p:sp>
+      <p:sp>
+        <p:nvSpPr>
+          <p:cNvPr id="9" name="文本框 8">
+            <a:extLst>
+              <a:ext uri="{FF2B5EF4-FFF2-40B4-BE49-F238E27FC236}">
+                <a16:creationId xmlns:a16="http://schemas.microsoft.com/office/drawing/2014/main" id="{0B227798-6003-4569-9393-940F47E38AE9}"/>
+              </a:ext>
+            </a:extLst>
+          </p:cNvPr>
+          <p:cNvSpPr txBox="1"/>
+          <p:nvPr/>
+        </p:nvSpPr>
+        <p:spPr>
+          <a:xfrm>
+            <a:off x="5782273" y="885407"/>
+            <a:ext cx="1594058" cy="830997"/>
+          </a:xfrm>
+          <a:prstGeom prst="rect">
+            <a:avLst/>
+          </a:prstGeom>
+          <a:noFill/>
+        </p:spPr>
+        <p:txBody>
+          <a:bodyPr wrap="square" rtlCol="0">
+            <a:spAutoFit/>
+          </a:bodyPr>
+          <a:lstStyle/>
+          <a:p>
+            <a:r>
+              <a:rPr lang="en-US" altLang="zh-CN" sz="1600" dirty="0"/>
+              <a:t>(1,1)=&gt;(4,4,0)</a:t>
+            </a:r>
+          </a:p>
+          <a:p>
+            <a:r>
+              <a:rPr lang="en-US" altLang="zh-CN" sz="1600" dirty="0"/>
+              <a:t>g=1 h=8</a:t>
+            </a:r>
+          </a:p>
+          <a:p>
+            <a:r>
+              <a:rPr lang="en-US" altLang="zh-CN" sz="1600" dirty="0"/>
+              <a:t>f=9</a:t>
+            </a:r>
+            <a:endParaRPr lang="zh-CN" altLang="en-US" sz="1600" dirty="0"/>
+          </a:p>
+        </p:txBody>
+      </p:sp>
+      <p:sp>
+        <p:nvSpPr>
+          <p:cNvPr id="10" name="文本框 9">
+            <a:extLst>
+              <a:ext uri="{FF2B5EF4-FFF2-40B4-BE49-F238E27FC236}">
+                <a16:creationId xmlns:a16="http://schemas.microsoft.com/office/drawing/2014/main" id="{459E13DE-24EC-4B58-8E65-70F8C6A0A202}"/>
+              </a:ext>
+            </a:extLst>
+          </p:cNvPr>
+          <p:cNvSpPr txBox="1"/>
+          <p:nvPr/>
+        </p:nvSpPr>
+        <p:spPr>
+          <a:xfrm>
+            <a:off x="5115326" y="6748011"/>
+            <a:ext cx="1594058" cy="830997"/>
+          </a:xfrm>
+          <a:prstGeom prst="rect">
+            <a:avLst/>
+          </a:prstGeom>
+          <a:noFill/>
+        </p:spPr>
+        <p:txBody>
+          <a:bodyPr wrap="square" rtlCol="0">
+            <a:spAutoFit/>
+          </a:bodyPr>
+          <a:lstStyle/>
+          <a:p>
+            <a:r>
+              <a:rPr lang="en-US" altLang="zh-CN" sz="1600" dirty="0"/>
+              <a:t>(2,2)=&gt;(3,3,0)</a:t>
+            </a:r>
+          </a:p>
+          <a:p>
+            <a:r>
+              <a:rPr lang="en-US" altLang="zh-CN" sz="1600" dirty="0"/>
+              <a:t>g=1 h=6</a:t>
+            </a:r>
+          </a:p>
+          <a:p>
+            <a:r>
+              <a:rPr lang="en-US" altLang="zh-CN" sz="1600" dirty="0"/>
+              <a:t>f=7</a:t>
+            </a:r>
+            <a:endParaRPr lang="zh-CN" altLang="en-US" sz="1600" dirty="0"/>
+          </a:p>
+        </p:txBody>
+      </p:sp>
+      <p:sp>
+        <p:nvSpPr>
+          <p:cNvPr id="11" name="文本框 10">
+            <a:extLst>
+              <a:ext uri="{FF2B5EF4-FFF2-40B4-BE49-F238E27FC236}">
+                <a16:creationId xmlns:a16="http://schemas.microsoft.com/office/drawing/2014/main" id="{A37019FC-BDF8-4AEB-9225-4A251C2E7FE2}"/>
+              </a:ext>
+            </a:extLst>
+          </p:cNvPr>
+          <p:cNvSpPr txBox="1"/>
+          <p:nvPr/>
+        </p:nvSpPr>
+        <p:spPr>
+          <a:xfrm>
+            <a:off x="6986728" y="6757118"/>
+            <a:ext cx="1594058" cy="830997"/>
+          </a:xfrm>
+          <a:prstGeom prst="rect">
+            <a:avLst/>
+          </a:prstGeom>
+          <a:noFill/>
+        </p:spPr>
+        <p:txBody>
+          <a:bodyPr wrap="square" rtlCol="0">
+            <a:spAutoFit/>
+          </a:bodyPr>
+          <a:lstStyle/>
+          <a:p>
+            <a:r>
+              <a:rPr lang="en-US" altLang="zh-CN" sz="1600" dirty="0"/>
+              <a:t>(3,3)=&gt;(2,2,0)</a:t>
+            </a:r>
+          </a:p>
+          <a:p>
+            <a:r>
+              <a:rPr lang="en-US" altLang="zh-CN" sz="1600" dirty="0"/>
+              <a:t>g=1 h=4</a:t>
+            </a:r>
+          </a:p>
+          <a:p>
+            <a:r>
+              <a:rPr lang="en-US" altLang="zh-CN" sz="1600" dirty="0"/>
+              <a:t>f=5</a:t>
+            </a:r>
+            <a:endParaRPr lang="zh-CN" altLang="en-US" sz="1600" dirty="0"/>
+          </a:p>
+        </p:txBody>
+      </p:sp>
+      <p:sp>
+        <p:nvSpPr>
+          <p:cNvPr id="12" name="文本框 11">
+            <a:extLst>
+              <a:ext uri="{FF2B5EF4-FFF2-40B4-BE49-F238E27FC236}">
+                <a16:creationId xmlns:a16="http://schemas.microsoft.com/office/drawing/2014/main" id="{08291885-8F8F-407B-AD9A-965D603C2210}"/>
+              </a:ext>
+            </a:extLst>
+          </p:cNvPr>
+          <p:cNvSpPr txBox="1"/>
+          <p:nvPr/>
+        </p:nvSpPr>
+        <p:spPr>
+          <a:xfrm>
+            <a:off x="5115326" y="8091037"/>
+            <a:ext cx="1594058" cy="830997"/>
+          </a:xfrm>
+          <a:prstGeom prst="rect">
+            <a:avLst/>
+          </a:prstGeom>
+          <a:noFill/>
+        </p:spPr>
+        <p:txBody>
+          <a:bodyPr wrap="square" rtlCol="0">
+            <a:spAutoFit/>
+          </a:bodyPr>
+          <a:lstStyle/>
+          <a:p>
+            <a:r>
+              <a:rPr lang="en-US" altLang="zh-CN" sz="1600" dirty="0"/>
+              <a:t>(1,1)=&gt;(3,3,1)</a:t>
+            </a:r>
+          </a:p>
+          <a:p>
+            <a:r>
+              <a:rPr lang="en-US" altLang="zh-CN" sz="1600" dirty="0"/>
+              <a:t>g=2 h=4</a:t>
+            </a:r>
+          </a:p>
+          <a:p>
+            <a:r>
+              <a:rPr lang="en-US" altLang="zh-CN" sz="1600" dirty="0"/>
+              <a:t>f=6</a:t>
+            </a:r>
+            <a:endParaRPr lang="zh-CN" altLang="en-US" sz="1600" dirty="0"/>
+          </a:p>
+        </p:txBody>
+      </p:sp>
+      <p:sp>
+        <p:nvSpPr>
+          <p:cNvPr id="13" name="文本框 12">
+            <a:extLst>
+              <a:ext uri="{FF2B5EF4-FFF2-40B4-BE49-F238E27FC236}">
+                <a16:creationId xmlns:a16="http://schemas.microsoft.com/office/drawing/2014/main" id="{C609D5A7-FA5E-41BD-9722-D23E414B4BFD}"/>
+              </a:ext>
+            </a:extLst>
+          </p:cNvPr>
+          <p:cNvSpPr txBox="1"/>
+          <p:nvPr/>
+        </p:nvSpPr>
+        <p:spPr>
+          <a:xfrm>
+            <a:off x="6986728" y="8091037"/>
+            <a:ext cx="1594058" cy="830997"/>
+          </a:xfrm>
+          <a:prstGeom prst="rect">
+            <a:avLst/>
+          </a:prstGeom>
+          <a:noFill/>
+        </p:spPr>
+        <p:txBody>
+          <a:bodyPr wrap="square" rtlCol="0">
+            <a:spAutoFit/>
+          </a:bodyPr>
+          <a:lstStyle/>
+          <a:p>
+            <a:r>
+              <a:rPr lang="en-US" altLang="zh-CN" sz="1600" dirty="0"/>
+              <a:t>(2,2)=&gt;(4,4,1)</a:t>
+            </a:r>
+          </a:p>
+          <a:p>
+            <a:r>
+              <a:rPr lang="en-US" altLang="zh-CN" sz="1600" dirty="0"/>
+              <a:t>g=2 h=6</a:t>
+            </a:r>
+          </a:p>
+          <a:p>
+            <a:r>
+              <a:rPr lang="en-US" altLang="zh-CN" sz="1600" dirty="0"/>
+              <a:t>f=8</a:t>
+            </a:r>
+            <a:endParaRPr lang="zh-CN" altLang="en-US" sz="1600" dirty="0"/>
+          </a:p>
+        </p:txBody>
+      </p:sp>
+      <p:sp>
+        <p:nvSpPr>
+          <p:cNvPr id="14" name="文本框 13">
+            <a:extLst>
+              <a:ext uri="{FF2B5EF4-FFF2-40B4-BE49-F238E27FC236}">
+                <a16:creationId xmlns:a16="http://schemas.microsoft.com/office/drawing/2014/main" id="{30DE9912-5A91-4631-926E-700EBDD95F40}"/>
+              </a:ext>
+            </a:extLst>
+          </p:cNvPr>
+          <p:cNvSpPr txBox="1"/>
+          <p:nvPr/>
+        </p:nvSpPr>
+        <p:spPr>
+          <a:xfrm>
+            <a:off x="8858130" y="8091037"/>
+            <a:ext cx="1594058" cy="830997"/>
+          </a:xfrm>
+          <a:prstGeom prst="rect">
+            <a:avLst/>
+          </a:prstGeom>
+          <a:noFill/>
+        </p:spPr>
+        <p:txBody>
+          <a:bodyPr wrap="square" rtlCol="0">
+            <a:spAutoFit/>
+          </a:bodyPr>
+          <a:lstStyle/>
+          <a:p>
+            <a:r>
+              <a:rPr lang="en-US" altLang="zh-CN" sz="1600" dirty="0"/>
+              <a:t>(3,3)=&gt;(5,5,1)</a:t>
+            </a:r>
+          </a:p>
+          <a:p>
+            <a:r>
+              <a:rPr lang="en-US" altLang="zh-CN" sz="1600" dirty="0"/>
+              <a:t>g=2 h=8</a:t>
+            </a:r>
+          </a:p>
+          <a:p>
+            <a:r>
+              <a:rPr lang="en-US" altLang="zh-CN" sz="1600" dirty="0"/>
+              <a:t>f=10</a:t>
+            </a:r>
+            <a:endParaRPr lang="zh-CN" altLang="en-US" sz="1600" dirty="0"/>
+          </a:p>
+        </p:txBody>
+      </p:sp>
+      <p:sp>
+        <p:nvSpPr>
+          <p:cNvPr id="15" name="文本框 14">
+            <a:extLst>
+              <a:ext uri="{FF2B5EF4-FFF2-40B4-BE49-F238E27FC236}">
+                <a16:creationId xmlns:a16="http://schemas.microsoft.com/office/drawing/2014/main" id="{3AE6B631-006A-4F62-8660-C4D5C4F497B1}"/>
+              </a:ext>
+            </a:extLst>
+          </p:cNvPr>
+          <p:cNvSpPr txBox="1"/>
+          <p:nvPr/>
+        </p:nvSpPr>
+        <p:spPr>
+          <a:xfrm>
+            <a:off x="3243924" y="9291602"/>
+            <a:ext cx="1594058" cy="830997"/>
+          </a:xfrm>
+          <a:prstGeom prst="rect">
+            <a:avLst/>
+          </a:prstGeom>
+          <a:noFill/>
+        </p:spPr>
+        <p:txBody>
+          <a:bodyPr wrap="square" rtlCol="0">
+            <a:spAutoFit/>
+          </a:bodyPr>
+          <a:lstStyle/>
+          <a:p>
+            <a:r>
+              <a:rPr lang="en-US" altLang="zh-CN" sz="1600" dirty="0"/>
+              <a:t>(1,1)=&gt;(2,2,0)</a:t>
+            </a:r>
+          </a:p>
+          <a:p>
+            <a:r>
+              <a:rPr lang="en-US" altLang="zh-CN" sz="1600" dirty="0"/>
+              <a:t>g=3 h=4</a:t>
+            </a:r>
+          </a:p>
+          <a:p>
+            <a:r>
+              <a:rPr lang="en-US" altLang="zh-CN" sz="1600" dirty="0"/>
+              <a:t>f=7</a:t>
+            </a:r>
+            <a:endParaRPr lang="zh-CN" altLang="en-US" sz="1600" dirty="0"/>
+          </a:p>
+        </p:txBody>
+      </p:sp>
+      <p:sp>
+        <p:nvSpPr>
+          <p:cNvPr id="16" name="文本框 15">
+            <a:extLst>
+              <a:ext uri="{FF2B5EF4-FFF2-40B4-BE49-F238E27FC236}">
+                <a16:creationId xmlns:a16="http://schemas.microsoft.com/office/drawing/2014/main" id="{E8178DA2-4FE9-470D-9951-98CED0F8561A}"/>
+              </a:ext>
+            </a:extLst>
+          </p:cNvPr>
+          <p:cNvSpPr txBox="1"/>
+          <p:nvPr/>
+        </p:nvSpPr>
+        <p:spPr>
+          <a:xfrm>
+            <a:off x="5115326" y="9291604"/>
+            <a:ext cx="1594058" cy="830997"/>
+          </a:xfrm>
+          <a:prstGeom prst="rect">
+            <a:avLst/>
+          </a:prstGeom>
+          <a:noFill/>
+        </p:spPr>
+        <p:txBody>
+          <a:bodyPr wrap="square" rtlCol="0">
+            <a:spAutoFit/>
+          </a:bodyPr>
+          <a:lstStyle/>
+          <a:p>
+            <a:r>
+              <a:rPr lang="en-US" altLang="zh-CN" sz="1600" dirty="0"/>
+              <a:t>(2,2)=&gt;(1,1,0)</a:t>
+            </a:r>
+          </a:p>
+          <a:p>
+            <a:r>
+              <a:rPr lang="en-US" altLang="zh-CN" sz="1600" dirty="0"/>
+              <a:t>g=3 h=2</a:t>
+            </a:r>
+          </a:p>
+          <a:p>
+            <a:r>
+              <a:rPr lang="en-US" altLang="zh-CN" sz="1600" dirty="0"/>
+              <a:t>f=5</a:t>
+            </a:r>
+            <a:endParaRPr lang="zh-CN" altLang="en-US" sz="1600" dirty="0"/>
+          </a:p>
+        </p:txBody>
+      </p:sp>
+      <p:sp>
+        <p:nvSpPr>
+          <p:cNvPr id="17" name="文本框 16">
+            <a:extLst>
+              <a:ext uri="{FF2B5EF4-FFF2-40B4-BE49-F238E27FC236}">
+                <a16:creationId xmlns:a16="http://schemas.microsoft.com/office/drawing/2014/main" id="{8731E370-77ED-47A9-A392-50C440BCE4BA}"/>
+              </a:ext>
+            </a:extLst>
+          </p:cNvPr>
+          <p:cNvSpPr txBox="1"/>
+          <p:nvPr/>
+        </p:nvSpPr>
+        <p:spPr>
+          <a:xfrm>
+            <a:off x="6986728" y="9291603"/>
+            <a:ext cx="1594058" cy="830997"/>
+          </a:xfrm>
+          <a:prstGeom prst="rect">
+            <a:avLst/>
+          </a:prstGeom>
+          <a:noFill/>
+        </p:spPr>
+        <p:txBody>
+          <a:bodyPr wrap="square" rtlCol="0">
+            <a:spAutoFit/>
+          </a:bodyPr>
+          <a:lstStyle/>
+          <a:p>
+            <a:r>
+              <a:rPr lang="en-US" altLang="zh-CN" sz="1600" dirty="0"/>
+              <a:t>(3,3)=&gt;(0,0,0)</a:t>
+            </a:r>
+          </a:p>
+          <a:p>
+            <a:r>
+              <a:rPr lang="en-US" altLang="zh-CN" sz="1600" dirty="0"/>
+              <a:t>g=3 h=0</a:t>
+            </a:r>
+          </a:p>
+          <a:p>
+            <a:r>
+              <a:rPr lang="en-US" altLang="zh-CN" sz="1600" dirty="0"/>
+              <a:t>f=3</a:t>
+            </a:r>
+            <a:endParaRPr lang="zh-CN" altLang="en-US" sz="1600" dirty="0"/>
+          </a:p>
+        </p:txBody>
+      </p:sp>
+      <p:sp>
+        <p:nvSpPr>
+          <p:cNvPr id="18" name="椭圆 17">
+            <a:extLst>
+              <a:ext uri="{FF2B5EF4-FFF2-40B4-BE49-F238E27FC236}">
+                <a16:creationId xmlns:a16="http://schemas.microsoft.com/office/drawing/2014/main" id="{8CA47D73-1B93-43DB-BBDA-6309394FDE44}"/>
+              </a:ext>
+            </a:extLst>
+          </p:cNvPr>
+          <p:cNvSpPr/>
+          <p:nvPr/>
+        </p:nvSpPr>
+        <p:spPr>
+          <a:xfrm>
+            <a:off x="6729456" y="9291602"/>
+            <a:ext cx="1851330" cy="830997"/>
+          </a:xfrm>
+          <a:prstGeom prst="ellipse">
+            <a:avLst/>
+          </a:prstGeom>
+          <a:noFill/>
+          <a:ln w="28575">
+            <a:solidFill>
+              <a:srgbClr val="FF0000"/>
+            </a:solidFill>
+          </a:ln>
+        </p:spPr>
+        <p:style>
+          <a:lnRef idx="2">
+            <a:schemeClr val="accent1">
+              <a:shade val="50000"/>
+            </a:schemeClr>
+          </a:lnRef>
+          <a:fillRef idx="1">
+            <a:schemeClr val="accent1"/>
+          </a:fillRef>
+          <a:effectRef idx="0">
+            <a:schemeClr val="accent1"/>
+          </a:effectRef>
+          <a:fontRef idx="minor">
+            <a:schemeClr val="lt1"/>
+          </a:fontRef>
+        </p:style>
+        <p:txBody>
+          <a:bodyPr rtlCol="0" anchor="ctr"/>
+          <a:lstStyle/>
+          <a:p>
+            <a:pPr algn="ctr"/>
+            <a:endParaRPr lang="zh-CN" altLang="en-US"/>
+          </a:p>
+        </p:txBody>
+      </p:sp>
+      <p:cxnSp>
+        <p:nvCxnSpPr>
+          <p:cNvPr id="19" name="直接连接符 18">
+            <a:extLst>
+              <a:ext uri="{FF2B5EF4-FFF2-40B4-BE49-F238E27FC236}">
+                <a16:creationId xmlns:a16="http://schemas.microsoft.com/office/drawing/2014/main" id="{84BBBF10-9905-417E-96F9-913649C22E56}"/>
+              </a:ext>
+            </a:extLst>
+          </p:cNvPr>
+          <p:cNvCxnSpPr>
+            <a:cxnSpLocks/>
+            <a:stCxn id="6" idx="0"/>
+            <a:endCxn id="5" idx="2"/>
+          </p:cNvCxnSpPr>
+          <p:nvPr/>
+        </p:nvCxnSpPr>
+        <p:spPr>
+          <a:xfrm flipV="1">
+            <a:off x="965096" y="547551"/>
+            <a:ext cx="3079142" cy="337858"/>
+          </a:xfrm>
+          <a:prstGeom prst="line">
+            <a:avLst/>
+          </a:prstGeom>
+          <a:ln>
+            <a:solidFill>
               <a:schemeClr val="tx1"/>
-            </a:fontRef>
-          </p:style>
-        </p:cxnSp>
-        <p:cxnSp>
-          <p:nvCxnSpPr>
-            <p:cNvPr id="22" name="直接连接符 21">
-              <a:extLst>
-                <a:ext uri="{FF2B5EF4-FFF2-40B4-BE49-F238E27FC236}">
-                  <a16:creationId xmlns:a16="http://schemas.microsoft.com/office/drawing/2014/main" id="{60BCD247-10E8-4329-A408-E3C95706EE07}"/>
-                </a:ext>
-              </a:extLst>
-            </p:cNvPr>
-            <p:cNvCxnSpPr>
-              <a:cxnSpLocks/>
-              <a:stCxn id="7" idx="0"/>
-              <a:endCxn id="5" idx="2"/>
-            </p:cNvCxnSpPr>
-            <p:nvPr/>
-          </p:nvCxnSpPr>
-          <p:spPr>
-            <a:xfrm flipV="1">
-              <a:off x="2836498" y="547688"/>
-              <a:ext cx="2773012" cy="337721"/>
-            </a:xfrm>
-            <a:prstGeom prst="line">
-              <a:avLst/>
-            </a:prstGeom>
-            <a:ln>
-              <a:solidFill>
-                <a:schemeClr val="tx1"/>
-              </a:solidFill>
-            </a:ln>
-          </p:spPr>
-          <p:style>
-            <a:lnRef idx="1">
-              <a:schemeClr val="accent1"/>
-            </a:lnRef>
-            <a:fillRef idx="0">
-              <a:schemeClr val="accent1"/>
-            </a:fillRef>
-            <a:effectRef idx="0">
-              <a:schemeClr val="accent1"/>
-            </a:effectRef>
-            <a:fontRef idx="minor">
+            </a:solidFill>
+          </a:ln>
+        </p:spPr>
+        <p:style>
+          <a:lnRef idx="1">
+            <a:schemeClr val="accent1"/>
+          </a:lnRef>
+          <a:fillRef idx="0">
+            <a:schemeClr val="accent1"/>
+          </a:fillRef>
+          <a:effectRef idx="0">
+            <a:schemeClr val="accent1"/>
+          </a:effectRef>
+          <a:fontRef idx="minor">
+            <a:schemeClr val="tx1"/>
+          </a:fontRef>
+        </p:style>
+      </p:cxnSp>
+      <p:cxnSp>
+        <p:nvCxnSpPr>
+          <p:cNvPr id="22" name="直接连接符 21">
+            <a:extLst>
+              <a:ext uri="{FF2B5EF4-FFF2-40B4-BE49-F238E27FC236}">
+                <a16:creationId xmlns:a16="http://schemas.microsoft.com/office/drawing/2014/main" id="{60BCD247-10E8-4329-A408-E3C95706EE07}"/>
+              </a:ext>
+            </a:extLst>
+          </p:cNvPr>
+          <p:cNvCxnSpPr>
+            <a:cxnSpLocks/>
+            <a:stCxn id="7" idx="0"/>
+            <a:endCxn id="5" idx="2"/>
+          </p:cNvCxnSpPr>
+          <p:nvPr/>
+        </p:nvCxnSpPr>
+        <p:spPr>
+          <a:xfrm flipV="1">
+            <a:off x="2836498" y="547551"/>
+            <a:ext cx="1207740" cy="337858"/>
+          </a:xfrm>
+          <a:prstGeom prst="line">
+            <a:avLst/>
+          </a:prstGeom>
+          <a:ln>
+            <a:solidFill>
               <a:schemeClr val="tx1"/>
-            </a:fontRef>
-          </p:style>
-        </p:cxnSp>
-        <p:cxnSp>
-          <p:nvCxnSpPr>
-            <p:cNvPr id="25" name="直接连接符 24">
-              <a:extLst>
-                <a:ext uri="{FF2B5EF4-FFF2-40B4-BE49-F238E27FC236}">
-                  <a16:creationId xmlns:a16="http://schemas.microsoft.com/office/drawing/2014/main" id="{A585F2A6-9EA3-41DF-B98E-1722D3527EB8}"/>
-                </a:ext>
-              </a:extLst>
-            </p:cNvPr>
-            <p:cNvCxnSpPr>
-              <a:cxnSpLocks/>
-              <a:stCxn id="8" idx="0"/>
-              <a:endCxn id="5" idx="2"/>
-            </p:cNvCxnSpPr>
-            <p:nvPr/>
-          </p:nvCxnSpPr>
-          <p:spPr>
-            <a:xfrm flipV="1">
-              <a:off x="4707900" y="547688"/>
-              <a:ext cx="901610" cy="337720"/>
-            </a:xfrm>
-            <a:prstGeom prst="line">
-              <a:avLst/>
-            </a:prstGeom>
-            <a:ln>
-              <a:solidFill>
-                <a:schemeClr val="tx1"/>
-              </a:solidFill>
-            </a:ln>
-          </p:spPr>
-          <p:style>
-            <a:lnRef idx="1">
-              <a:schemeClr val="accent1"/>
-            </a:lnRef>
-            <a:fillRef idx="0">
-              <a:schemeClr val="accent1"/>
-            </a:fillRef>
-            <a:effectRef idx="0">
-              <a:schemeClr val="accent1"/>
-            </a:effectRef>
-            <a:fontRef idx="minor">
+            </a:solidFill>
+          </a:ln>
+        </p:spPr>
+        <p:style>
+          <a:lnRef idx="1">
+            <a:schemeClr val="accent1"/>
+          </a:lnRef>
+          <a:fillRef idx="0">
+            <a:schemeClr val="accent1"/>
+          </a:fillRef>
+          <a:effectRef idx="0">
+            <a:schemeClr val="accent1"/>
+          </a:effectRef>
+          <a:fontRef idx="minor">
+            <a:schemeClr val="tx1"/>
+          </a:fontRef>
+        </p:style>
+      </p:cxnSp>
+      <p:cxnSp>
+        <p:nvCxnSpPr>
+          <p:cNvPr id="25" name="直接连接符 24">
+            <a:extLst>
+              <a:ext uri="{FF2B5EF4-FFF2-40B4-BE49-F238E27FC236}">
+                <a16:creationId xmlns:a16="http://schemas.microsoft.com/office/drawing/2014/main" id="{A585F2A6-9EA3-41DF-B98E-1722D3527EB8}"/>
+              </a:ext>
+            </a:extLst>
+          </p:cNvPr>
+          <p:cNvCxnSpPr>
+            <a:cxnSpLocks/>
+            <a:stCxn id="8" idx="0"/>
+            <a:endCxn id="5" idx="2"/>
+          </p:cNvCxnSpPr>
+          <p:nvPr/>
+        </p:nvCxnSpPr>
+        <p:spPr>
+          <a:xfrm flipH="1" flipV="1">
+            <a:off x="4044238" y="547551"/>
+            <a:ext cx="663662" cy="337856"/>
+          </a:xfrm>
+          <a:prstGeom prst="line">
+            <a:avLst/>
+          </a:prstGeom>
+          <a:ln>
+            <a:solidFill>
               <a:schemeClr val="tx1"/>
-            </a:fontRef>
-          </p:style>
-        </p:cxnSp>
-        <p:cxnSp>
-          <p:nvCxnSpPr>
-            <p:cNvPr id="28" name="直接连接符 27">
-              <a:extLst>
-                <a:ext uri="{FF2B5EF4-FFF2-40B4-BE49-F238E27FC236}">
-                  <a16:creationId xmlns:a16="http://schemas.microsoft.com/office/drawing/2014/main" id="{5A82793D-55EB-4324-9B82-9D453C6AF049}"/>
-                </a:ext>
-              </a:extLst>
-            </p:cNvPr>
-            <p:cNvCxnSpPr>
-              <a:cxnSpLocks/>
-              <a:stCxn id="9" idx="0"/>
-              <a:endCxn id="5" idx="2"/>
-            </p:cNvCxnSpPr>
-            <p:nvPr/>
-          </p:nvCxnSpPr>
-          <p:spPr>
-            <a:xfrm flipH="1" flipV="1">
-              <a:off x="5609510" y="547688"/>
-              <a:ext cx="969792" cy="337719"/>
-            </a:xfrm>
-            <a:prstGeom prst="line">
-              <a:avLst/>
-            </a:prstGeom>
-            <a:ln>
-              <a:solidFill>
-                <a:schemeClr val="tx1"/>
-              </a:solidFill>
-            </a:ln>
-          </p:spPr>
-          <p:style>
-            <a:lnRef idx="1">
-              <a:schemeClr val="accent1"/>
-            </a:lnRef>
-            <a:fillRef idx="0">
-              <a:schemeClr val="accent1"/>
-            </a:fillRef>
-            <a:effectRef idx="0">
-              <a:schemeClr val="accent1"/>
-            </a:effectRef>
-            <a:fontRef idx="minor">
+            </a:solidFill>
+          </a:ln>
+        </p:spPr>
+        <p:style>
+          <a:lnRef idx="1">
+            <a:schemeClr val="accent1"/>
+          </a:lnRef>
+          <a:fillRef idx="0">
+            <a:schemeClr val="accent1"/>
+          </a:fillRef>
+          <a:effectRef idx="0">
+            <a:schemeClr val="accent1"/>
+          </a:effectRef>
+          <a:fontRef idx="minor">
+            <a:schemeClr val="tx1"/>
+          </a:fontRef>
+        </p:style>
+      </p:cxnSp>
+      <p:cxnSp>
+        <p:nvCxnSpPr>
+          <p:cNvPr id="28" name="直接连接符 27">
+            <a:extLst>
+              <a:ext uri="{FF2B5EF4-FFF2-40B4-BE49-F238E27FC236}">
+                <a16:creationId xmlns:a16="http://schemas.microsoft.com/office/drawing/2014/main" id="{5A82793D-55EB-4324-9B82-9D453C6AF049}"/>
+              </a:ext>
+            </a:extLst>
+          </p:cNvPr>
+          <p:cNvCxnSpPr>
+            <a:cxnSpLocks/>
+            <a:stCxn id="9" idx="0"/>
+            <a:endCxn id="5" idx="2"/>
+          </p:cNvCxnSpPr>
+          <p:nvPr/>
+        </p:nvCxnSpPr>
+        <p:spPr>
+          <a:xfrm flipH="1" flipV="1">
+            <a:off x="4044238" y="547551"/>
+            <a:ext cx="2535064" cy="337856"/>
+          </a:xfrm>
+          <a:prstGeom prst="line">
+            <a:avLst/>
+          </a:prstGeom>
+          <a:ln>
+            <a:solidFill>
               <a:schemeClr val="tx1"/>
-            </a:fontRef>
-          </p:style>
-        </p:cxnSp>
-        <p:cxnSp>
-          <p:nvCxnSpPr>
-            <p:cNvPr id="31" name="直接连接符 30">
-              <a:extLst>
-                <a:ext uri="{FF2B5EF4-FFF2-40B4-BE49-F238E27FC236}">
-                  <a16:creationId xmlns:a16="http://schemas.microsoft.com/office/drawing/2014/main" id="{6A74A34F-4F9B-4E5B-9004-70558F41546F}"/>
-                </a:ext>
-              </a:extLst>
-            </p:cNvPr>
-            <p:cNvCxnSpPr>
-              <a:cxnSpLocks/>
-              <a:stCxn id="10" idx="0"/>
-              <a:endCxn id="5" idx="2"/>
-            </p:cNvCxnSpPr>
-            <p:nvPr/>
-          </p:nvCxnSpPr>
-          <p:spPr>
-            <a:xfrm flipH="1" flipV="1">
-              <a:off x="5609510" y="547688"/>
-              <a:ext cx="2841194" cy="337718"/>
-            </a:xfrm>
-            <a:prstGeom prst="line">
-              <a:avLst/>
-            </a:prstGeom>
-            <a:ln>
-              <a:solidFill>
-                <a:schemeClr val="tx1"/>
-              </a:solidFill>
-            </a:ln>
-          </p:spPr>
-          <p:style>
-            <a:lnRef idx="1">
-              <a:schemeClr val="accent1"/>
-            </a:lnRef>
-            <a:fillRef idx="0">
-              <a:schemeClr val="accent1"/>
-            </a:fillRef>
-            <a:effectRef idx="0">
-              <a:schemeClr val="accent1"/>
-            </a:effectRef>
-            <a:fontRef idx="minor">
+            </a:solidFill>
+          </a:ln>
+        </p:spPr>
+        <p:style>
+          <a:lnRef idx="1">
+            <a:schemeClr val="accent1"/>
+          </a:lnRef>
+          <a:fillRef idx="0">
+            <a:schemeClr val="accent1"/>
+          </a:fillRef>
+          <a:effectRef idx="0">
+            <a:schemeClr val="accent1"/>
+          </a:effectRef>
+          <a:fontRef idx="minor">
+            <a:schemeClr val="tx1"/>
+          </a:fontRef>
+        </p:style>
+      </p:cxnSp>
+      <p:cxnSp>
+        <p:nvCxnSpPr>
+          <p:cNvPr id="37" name="直接连接符 36">
+            <a:extLst>
+              <a:ext uri="{FF2B5EF4-FFF2-40B4-BE49-F238E27FC236}">
+                <a16:creationId xmlns:a16="http://schemas.microsoft.com/office/drawing/2014/main" id="{EEE0017D-7C77-4A38-A7E6-1801A292597C}"/>
+              </a:ext>
+            </a:extLst>
+          </p:cNvPr>
+          <p:cNvCxnSpPr>
+            <a:cxnSpLocks/>
+            <a:stCxn id="12" idx="0"/>
+            <a:endCxn id="11" idx="2"/>
+          </p:cNvCxnSpPr>
+          <p:nvPr/>
+        </p:nvCxnSpPr>
+        <p:spPr>
+          <a:xfrm flipV="1">
+            <a:off x="5912355" y="7588115"/>
+            <a:ext cx="1871402" cy="502922"/>
+          </a:xfrm>
+          <a:prstGeom prst="line">
+            <a:avLst/>
+          </a:prstGeom>
+          <a:ln>
+            <a:solidFill>
               <a:schemeClr val="tx1"/>
-            </a:fontRef>
-          </p:style>
-        </p:cxnSp>
-        <p:cxnSp>
-          <p:nvCxnSpPr>
-            <p:cNvPr id="34" name="直接连接符 33">
-              <a:extLst>
-                <a:ext uri="{FF2B5EF4-FFF2-40B4-BE49-F238E27FC236}">
-                  <a16:creationId xmlns:a16="http://schemas.microsoft.com/office/drawing/2014/main" id="{B49F0BE8-DBDD-40E9-8FBA-DA0A93B6F399}"/>
-                </a:ext>
-              </a:extLst>
-            </p:cNvPr>
-            <p:cNvCxnSpPr>
-              <a:cxnSpLocks/>
-              <a:stCxn id="11" idx="0"/>
-              <a:endCxn id="5" idx="2"/>
-            </p:cNvCxnSpPr>
-            <p:nvPr/>
-          </p:nvCxnSpPr>
-          <p:spPr>
-            <a:xfrm flipH="1" flipV="1">
-              <a:off x="5609510" y="547688"/>
-              <a:ext cx="4712596" cy="346825"/>
-            </a:xfrm>
-            <a:prstGeom prst="line">
-              <a:avLst/>
-            </a:prstGeom>
-            <a:ln>
-              <a:solidFill>
-                <a:schemeClr val="tx1"/>
-              </a:solidFill>
-            </a:ln>
-          </p:spPr>
-          <p:style>
-            <a:lnRef idx="1">
-              <a:schemeClr val="accent1"/>
-            </a:lnRef>
-            <a:fillRef idx="0">
-              <a:schemeClr val="accent1"/>
-            </a:fillRef>
-            <a:effectRef idx="0">
-              <a:schemeClr val="accent1"/>
-            </a:effectRef>
-            <a:fontRef idx="minor">
+            </a:solidFill>
+          </a:ln>
+        </p:spPr>
+        <p:style>
+          <a:lnRef idx="1">
+            <a:schemeClr val="accent1"/>
+          </a:lnRef>
+          <a:fillRef idx="0">
+            <a:schemeClr val="accent1"/>
+          </a:fillRef>
+          <a:effectRef idx="0">
+            <a:schemeClr val="accent1"/>
+          </a:effectRef>
+          <a:fontRef idx="minor">
+            <a:schemeClr val="tx1"/>
+          </a:fontRef>
+        </p:style>
+      </p:cxnSp>
+      <p:cxnSp>
+        <p:nvCxnSpPr>
+          <p:cNvPr id="40" name="直接连接符 39">
+            <a:extLst>
+              <a:ext uri="{FF2B5EF4-FFF2-40B4-BE49-F238E27FC236}">
+                <a16:creationId xmlns:a16="http://schemas.microsoft.com/office/drawing/2014/main" id="{48ED2D94-5430-4D72-9C01-3820FC025D5D}"/>
+              </a:ext>
+            </a:extLst>
+          </p:cNvPr>
+          <p:cNvCxnSpPr>
+            <a:cxnSpLocks/>
+            <a:stCxn id="13" idx="0"/>
+            <a:endCxn id="11" idx="2"/>
+          </p:cNvCxnSpPr>
+          <p:nvPr/>
+        </p:nvCxnSpPr>
+        <p:spPr>
+          <a:xfrm flipV="1">
+            <a:off x="7783757" y="7588115"/>
+            <a:ext cx="0" cy="502922"/>
+          </a:xfrm>
+          <a:prstGeom prst="line">
+            <a:avLst/>
+          </a:prstGeom>
+          <a:ln>
+            <a:solidFill>
               <a:schemeClr val="tx1"/>
-            </a:fontRef>
-          </p:style>
-        </p:cxnSp>
-        <p:cxnSp>
-          <p:nvCxnSpPr>
-            <p:cNvPr id="37" name="直接连接符 36">
-              <a:extLst>
-                <a:ext uri="{FF2B5EF4-FFF2-40B4-BE49-F238E27FC236}">
-                  <a16:creationId xmlns:a16="http://schemas.microsoft.com/office/drawing/2014/main" id="{EEE0017D-7C77-4A38-A7E6-1801A292597C}"/>
-                </a:ext>
-              </a:extLst>
-            </p:cNvPr>
-            <p:cNvCxnSpPr>
-              <a:cxnSpLocks/>
-              <a:stCxn id="12" idx="0"/>
-              <a:endCxn id="11" idx="2"/>
-            </p:cNvCxnSpPr>
-            <p:nvPr/>
-          </p:nvCxnSpPr>
-          <p:spPr>
-            <a:xfrm flipV="1">
-              <a:off x="8450704" y="1725510"/>
-              <a:ext cx="1871402" cy="502922"/>
-            </a:xfrm>
-            <a:prstGeom prst="line">
-              <a:avLst/>
-            </a:prstGeom>
-            <a:ln>
-              <a:solidFill>
-                <a:schemeClr val="tx1"/>
-              </a:solidFill>
-            </a:ln>
-          </p:spPr>
-          <p:style>
-            <a:lnRef idx="1">
-              <a:schemeClr val="accent1"/>
-            </a:lnRef>
-            <a:fillRef idx="0">
-              <a:schemeClr val="accent1"/>
-            </a:fillRef>
-            <a:effectRef idx="0">
-              <a:schemeClr val="accent1"/>
-            </a:effectRef>
-            <a:fontRef idx="minor">
+            </a:solidFill>
+          </a:ln>
+        </p:spPr>
+        <p:style>
+          <a:lnRef idx="1">
+            <a:schemeClr val="accent1"/>
+          </a:lnRef>
+          <a:fillRef idx="0">
+            <a:schemeClr val="accent1"/>
+          </a:fillRef>
+          <a:effectRef idx="0">
+            <a:schemeClr val="accent1"/>
+          </a:effectRef>
+          <a:fontRef idx="minor">
+            <a:schemeClr val="tx1"/>
+          </a:fontRef>
+        </p:style>
+      </p:cxnSp>
+      <p:cxnSp>
+        <p:nvCxnSpPr>
+          <p:cNvPr id="43" name="直接连接符 42">
+            <a:extLst>
+              <a:ext uri="{FF2B5EF4-FFF2-40B4-BE49-F238E27FC236}">
+                <a16:creationId xmlns:a16="http://schemas.microsoft.com/office/drawing/2014/main" id="{AAC84DF6-808D-4760-8880-41A125112020}"/>
+              </a:ext>
+            </a:extLst>
+          </p:cNvPr>
+          <p:cNvCxnSpPr>
+            <a:cxnSpLocks/>
+            <a:stCxn id="14" idx="0"/>
+            <a:endCxn id="11" idx="2"/>
+          </p:cNvCxnSpPr>
+          <p:nvPr/>
+        </p:nvCxnSpPr>
+        <p:spPr>
+          <a:xfrm flipH="1" flipV="1">
+            <a:off x="7783757" y="7588115"/>
+            <a:ext cx="1871402" cy="502922"/>
+          </a:xfrm>
+          <a:prstGeom prst="line">
+            <a:avLst/>
+          </a:prstGeom>
+          <a:ln>
+            <a:solidFill>
               <a:schemeClr val="tx1"/>
-            </a:fontRef>
-          </p:style>
-        </p:cxnSp>
-        <p:cxnSp>
-          <p:nvCxnSpPr>
-            <p:cNvPr id="40" name="直接连接符 39">
-              <a:extLst>
-                <a:ext uri="{FF2B5EF4-FFF2-40B4-BE49-F238E27FC236}">
-                  <a16:creationId xmlns:a16="http://schemas.microsoft.com/office/drawing/2014/main" id="{48ED2D94-5430-4D72-9C01-3820FC025D5D}"/>
-                </a:ext>
-              </a:extLst>
-            </p:cNvPr>
-            <p:cNvCxnSpPr>
-              <a:cxnSpLocks/>
-              <a:stCxn id="13" idx="0"/>
-              <a:endCxn id="11" idx="2"/>
-            </p:cNvCxnSpPr>
-            <p:nvPr/>
-          </p:nvCxnSpPr>
-          <p:spPr>
-            <a:xfrm flipV="1">
-              <a:off x="10322106" y="1725510"/>
-              <a:ext cx="0" cy="502922"/>
-            </a:xfrm>
-            <a:prstGeom prst="line">
-              <a:avLst/>
-            </a:prstGeom>
-            <a:ln>
-              <a:solidFill>
-                <a:schemeClr val="tx1"/>
-              </a:solidFill>
-            </a:ln>
-          </p:spPr>
-          <p:style>
-            <a:lnRef idx="1">
-              <a:schemeClr val="accent1"/>
-            </a:lnRef>
-            <a:fillRef idx="0">
-              <a:schemeClr val="accent1"/>
-            </a:fillRef>
-            <a:effectRef idx="0">
-              <a:schemeClr val="accent1"/>
-            </a:effectRef>
-            <a:fontRef idx="minor">
+            </a:solidFill>
+          </a:ln>
+        </p:spPr>
+        <p:style>
+          <a:lnRef idx="1">
+            <a:schemeClr val="accent1"/>
+          </a:lnRef>
+          <a:fillRef idx="0">
+            <a:schemeClr val="accent1"/>
+          </a:fillRef>
+          <a:effectRef idx="0">
+            <a:schemeClr val="accent1"/>
+          </a:effectRef>
+          <a:fontRef idx="minor">
+            <a:schemeClr val="tx1"/>
+          </a:fontRef>
+        </p:style>
+      </p:cxnSp>
+      <p:cxnSp>
+        <p:nvCxnSpPr>
+          <p:cNvPr id="46" name="直接连接符 45">
+            <a:extLst>
+              <a:ext uri="{FF2B5EF4-FFF2-40B4-BE49-F238E27FC236}">
+                <a16:creationId xmlns:a16="http://schemas.microsoft.com/office/drawing/2014/main" id="{FCCFFB52-2435-4385-93DB-0A1094445EF6}"/>
+              </a:ext>
+            </a:extLst>
+          </p:cNvPr>
+          <p:cNvCxnSpPr>
+            <a:cxnSpLocks/>
+            <a:stCxn id="15" idx="0"/>
+            <a:endCxn id="12" idx="2"/>
+          </p:cNvCxnSpPr>
+          <p:nvPr/>
+        </p:nvCxnSpPr>
+        <p:spPr>
+          <a:xfrm flipV="1">
+            <a:off x="4040953" y="8922034"/>
+            <a:ext cx="1871402" cy="369568"/>
+          </a:xfrm>
+          <a:prstGeom prst="line">
+            <a:avLst/>
+          </a:prstGeom>
+          <a:ln>
+            <a:solidFill>
               <a:schemeClr val="tx1"/>
-            </a:fontRef>
-          </p:style>
-        </p:cxnSp>
-        <p:cxnSp>
-          <p:nvCxnSpPr>
-            <p:cNvPr id="43" name="直接连接符 42">
-              <a:extLst>
-                <a:ext uri="{FF2B5EF4-FFF2-40B4-BE49-F238E27FC236}">
-                  <a16:creationId xmlns:a16="http://schemas.microsoft.com/office/drawing/2014/main" id="{AAC84DF6-808D-4760-8880-41A125112020}"/>
-                </a:ext>
-              </a:extLst>
-            </p:cNvPr>
-            <p:cNvCxnSpPr>
-              <a:cxnSpLocks/>
-              <a:stCxn id="14" idx="0"/>
-              <a:endCxn id="11" idx="2"/>
-            </p:cNvCxnSpPr>
-            <p:nvPr/>
-          </p:nvCxnSpPr>
-          <p:spPr>
-            <a:xfrm flipH="1" flipV="1">
-              <a:off x="10322106" y="1725510"/>
-              <a:ext cx="1871402" cy="502922"/>
-            </a:xfrm>
-            <a:prstGeom prst="line">
-              <a:avLst/>
-            </a:prstGeom>
-            <a:ln>
-              <a:solidFill>
-                <a:schemeClr val="tx1"/>
-              </a:solidFill>
-            </a:ln>
-          </p:spPr>
-          <p:style>
-            <a:lnRef idx="1">
-              <a:schemeClr val="accent1"/>
-            </a:lnRef>
-            <a:fillRef idx="0">
-              <a:schemeClr val="accent1"/>
-            </a:fillRef>
-            <a:effectRef idx="0">
-              <a:schemeClr val="accent1"/>
-            </a:effectRef>
-            <a:fontRef idx="minor">
+            </a:solidFill>
+          </a:ln>
+        </p:spPr>
+        <p:style>
+          <a:lnRef idx="1">
+            <a:schemeClr val="accent1"/>
+          </a:lnRef>
+          <a:fillRef idx="0">
+            <a:schemeClr val="accent1"/>
+          </a:fillRef>
+          <a:effectRef idx="0">
+            <a:schemeClr val="accent1"/>
+          </a:effectRef>
+          <a:fontRef idx="minor">
+            <a:schemeClr val="tx1"/>
+          </a:fontRef>
+        </p:style>
+      </p:cxnSp>
+      <p:cxnSp>
+        <p:nvCxnSpPr>
+          <p:cNvPr id="49" name="直接连接符 48">
+            <a:extLst>
+              <a:ext uri="{FF2B5EF4-FFF2-40B4-BE49-F238E27FC236}">
+                <a16:creationId xmlns:a16="http://schemas.microsoft.com/office/drawing/2014/main" id="{7E0C1786-783F-42EB-AC4C-46817C820648}"/>
+              </a:ext>
+            </a:extLst>
+          </p:cNvPr>
+          <p:cNvCxnSpPr>
+            <a:cxnSpLocks/>
+            <a:stCxn id="16" idx="0"/>
+            <a:endCxn id="12" idx="2"/>
+          </p:cNvCxnSpPr>
+          <p:nvPr/>
+        </p:nvCxnSpPr>
+        <p:spPr>
+          <a:xfrm flipV="1">
+            <a:off x="5912355" y="8922034"/>
+            <a:ext cx="0" cy="369570"/>
+          </a:xfrm>
+          <a:prstGeom prst="line">
+            <a:avLst/>
+          </a:prstGeom>
+          <a:ln>
+            <a:solidFill>
               <a:schemeClr val="tx1"/>
-            </a:fontRef>
-          </p:style>
-        </p:cxnSp>
-        <p:cxnSp>
-          <p:nvCxnSpPr>
-            <p:cNvPr id="46" name="直接连接符 45">
-              <a:extLst>
-                <a:ext uri="{FF2B5EF4-FFF2-40B4-BE49-F238E27FC236}">
-                  <a16:creationId xmlns:a16="http://schemas.microsoft.com/office/drawing/2014/main" id="{FCCFFB52-2435-4385-93DB-0A1094445EF6}"/>
-                </a:ext>
-              </a:extLst>
-            </p:cNvPr>
-            <p:cNvCxnSpPr>
-              <a:cxnSpLocks/>
-              <a:stCxn id="15" idx="0"/>
-              <a:endCxn id="12" idx="2"/>
-            </p:cNvCxnSpPr>
-            <p:nvPr/>
-          </p:nvCxnSpPr>
-          <p:spPr>
-            <a:xfrm flipV="1">
-              <a:off x="6579302" y="3059429"/>
-              <a:ext cx="1871402" cy="369568"/>
-            </a:xfrm>
-            <a:prstGeom prst="line">
-              <a:avLst/>
-            </a:prstGeom>
-            <a:ln>
-              <a:solidFill>
-                <a:schemeClr val="tx1"/>
-              </a:solidFill>
-            </a:ln>
-          </p:spPr>
-          <p:style>
-            <a:lnRef idx="1">
-              <a:schemeClr val="accent1"/>
-            </a:lnRef>
-            <a:fillRef idx="0">
-              <a:schemeClr val="accent1"/>
-            </a:fillRef>
-            <a:effectRef idx="0">
-              <a:schemeClr val="accent1"/>
-            </a:effectRef>
-            <a:fontRef idx="minor">
+            </a:solidFill>
+          </a:ln>
+        </p:spPr>
+        <p:style>
+          <a:lnRef idx="1">
+            <a:schemeClr val="accent1"/>
+          </a:lnRef>
+          <a:fillRef idx="0">
+            <a:schemeClr val="accent1"/>
+          </a:fillRef>
+          <a:effectRef idx="0">
+            <a:schemeClr val="accent1"/>
+          </a:effectRef>
+          <a:fontRef idx="minor">
+            <a:schemeClr val="tx1"/>
+          </a:fontRef>
+        </p:style>
+      </p:cxnSp>
+      <p:cxnSp>
+        <p:nvCxnSpPr>
+          <p:cNvPr id="52" name="直接连接符 51">
+            <a:extLst>
+              <a:ext uri="{FF2B5EF4-FFF2-40B4-BE49-F238E27FC236}">
+                <a16:creationId xmlns:a16="http://schemas.microsoft.com/office/drawing/2014/main" id="{91F9FC6E-913A-4335-AB4A-DD26862869FD}"/>
+              </a:ext>
+            </a:extLst>
+          </p:cNvPr>
+          <p:cNvCxnSpPr>
+            <a:cxnSpLocks/>
+            <a:stCxn id="17" idx="0"/>
+            <a:endCxn id="12" idx="2"/>
+          </p:cNvCxnSpPr>
+          <p:nvPr/>
+        </p:nvCxnSpPr>
+        <p:spPr>
+          <a:xfrm flipH="1" flipV="1">
+            <a:off x="5912355" y="8922034"/>
+            <a:ext cx="1871402" cy="369569"/>
+          </a:xfrm>
+          <a:prstGeom prst="line">
+            <a:avLst/>
+          </a:prstGeom>
+          <a:ln>
+            <a:solidFill>
               <a:schemeClr val="tx1"/>
-            </a:fontRef>
-          </p:style>
-        </p:cxnSp>
-        <p:cxnSp>
-          <p:nvCxnSpPr>
-            <p:cNvPr id="49" name="直接连接符 48">
-              <a:extLst>
-                <a:ext uri="{FF2B5EF4-FFF2-40B4-BE49-F238E27FC236}">
-                  <a16:creationId xmlns:a16="http://schemas.microsoft.com/office/drawing/2014/main" id="{7E0C1786-783F-42EB-AC4C-46817C820648}"/>
-                </a:ext>
-              </a:extLst>
-            </p:cNvPr>
-            <p:cNvCxnSpPr>
-              <a:cxnSpLocks/>
-              <a:stCxn id="16" idx="0"/>
-              <a:endCxn id="12" idx="2"/>
-            </p:cNvCxnSpPr>
-            <p:nvPr/>
-          </p:nvCxnSpPr>
-          <p:spPr>
-            <a:xfrm flipV="1">
-              <a:off x="8450704" y="3059429"/>
-              <a:ext cx="0" cy="369570"/>
-            </a:xfrm>
-            <a:prstGeom prst="line">
-              <a:avLst/>
-            </a:prstGeom>
-            <a:ln>
-              <a:solidFill>
-                <a:schemeClr val="tx1"/>
-              </a:solidFill>
-            </a:ln>
-          </p:spPr>
-          <p:style>
-            <a:lnRef idx="1">
-              <a:schemeClr val="accent1"/>
-            </a:lnRef>
-            <a:fillRef idx="0">
-              <a:schemeClr val="accent1"/>
-            </a:fillRef>
-            <a:effectRef idx="0">
-              <a:schemeClr val="accent1"/>
-            </a:effectRef>
-            <a:fontRef idx="minor">
-              <a:schemeClr val="tx1"/>
-            </a:fontRef>
-          </p:style>
-        </p:cxnSp>
-        <p:cxnSp>
-          <p:nvCxnSpPr>
-            <p:cNvPr id="52" name="直接连接符 51">
-              <a:extLst>
-                <a:ext uri="{FF2B5EF4-FFF2-40B4-BE49-F238E27FC236}">
-                  <a16:creationId xmlns:a16="http://schemas.microsoft.com/office/drawing/2014/main" id="{91F9FC6E-913A-4335-AB4A-DD26862869FD}"/>
-                </a:ext>
-              </a:extLst>
-            </p:cNvPr>
-            <p:cNvCxnSpPr>
-              <a:cxnSpLocks/>
-              <a:stCxn id="17" idx="0"/>
-              <a:endCxn id="12" idx="2"/>
-            </p:cNvCxnSpPr>
-            <p:nvPr/>
-          </p:nvCxnSpPr>
-          <p:spPr>
-            <a:xfrm flipH="1" flipV="1">
-              <a:off x="8450704" y="3059429"/>
-              <a:ext cx="1871402" cy="369569"/>
-            </a:xfrm>
-            <a:prstGeom prst="line">
-              <a:avLst/>
-            </a:prstGeom>
-            <a:ln>
-              <a:solidFill>
-                <a:schemeClr val="tx1"/>
-              </a:solidFill>
-            </a:ln>
-          </p:spPr>
-          <p:style>
-            <a:lnRef idx="1">
-              <a:schemeClr val="accent1"/>
-            </a:lnRef>
-            <a:fillRef idx="0">
-              <a:schemeClr val="accent1"/>
-            </a:fillRef>
-            <a:effectRef idx="0">
-              <a:schemeClr val="accent1"/>
-            </a:effectRef>
-            <a:fontRef idx="minor">
-              <a:schemeClr val="tx1"/>
-            </a:fontRef>
-          </p:style>
-        </p:cxnSp>
-      </p:grpSp>
+            </a:solidFill>
+          </a:ln>
+        </p:spPr>
+        <p:style>
+          <a:lnRef idx="1">
+            <a:schemeClr val="accent1"/>
+          </a:lnRef>
+          <a:fillRef idx="0">
+            <a:schemeClr val="accent1"/>
+          </a:fillRef>
+          <a:effectRef idx="0">
+            <a:schemeClr val="accent1"/>
+          </a:effectRef>
+          <a:fontRef idx="minor">
+            <a:schemeClr val="tx1"/>
+          </a:fontRef>
+        </p:style>
+      </p:cxnSp>
+      <p:sp>
+        <p:nvSpPr>
+          <p:cNvPr id="62" name="文本框 61">
+            <a:extLst>
+              <a:ext uri="{FF2B5EF4-FFF2-40B4-BE49-F238E27FC236}">
+                <a16:creationId xmlns:a16="http://schemas.microsoft.com/office/drawing/2014/main" id="{C2D2A1E5-DFD6-48A7-94FD-04DC914AF0E7}"/>
+              </a:ext>
+            </a:extLst>
+          </p:cNvPr>
+          <p:cNvSpPr txBox="1"/>
+          <p:nvPr/>
+        </p:nvSpPr>
+        <p:spPr>
+          <a:xfrm>
+            <a:off x="965096" y="2054264"/>
+            <a:ext cx="1594058" cy="338554"/>
+          </a:xfrm>
+          <a:prstGeom prst="rect">
+            <a:avLst/>
+          </a:prstGeom>
+          <a:noFill/>
+        </p:spPr>
+        <p:txBody>
+          <a:bodyPr wrap="square" rtlCol="0">
+            <a:spAutoFit/>
+          </a:bodyPr>
+          <a:lstStyle/>
+          <a:p>
+            <a:r>
+              <a:rPr lang="en-US" altLang="zh-CN" sz="1600" dirty="0"/>
+              <a:t>(0,3)=&gt;(5,5,1)</a:t>
+            </a:r>
+            <a:endParaRPr lang="zh-CN" altLang="en-US" sz="1600" dirty="0"/>
+          </a:p>
+        </p:txBody>
+      </p:sp>
+      <p:sp>
+        <p:nvSpPr>
+          <p:cNvPr id="63" name="文本框 62">
+            <a:extLst>
+              <a:ext uri="{FF2B5EF4-FFF2-40B4-BE49-F238E27FC236}">
+                <a16:creationId xmlns:a16="http://schemas.microsoft.com/office/drawing/2014/main" id="{8F372A4A-1C26-4E38-83A7-FBDFDEC8DE98}"/>
+              </a:ext>
+            </a:extLst>
+          </p:cNvPr>
+          <p:cNvSpPr txBox="1"/>
+          <p:nvPr/>
+        </p:nvSpPr>
+        <p:spPr>
+          <a:xfrm>
+            <a:off x="2782011" y="2054264"/>
+            <a:ext cx="1594058" cy="830997"/>
+          </a:xfrm>
+          <a:prstGeom prst="rect">
+            <a:avLst/>
+          </a:prstGeom>
+          <a:noFill/>
+        </p:spPr>
+        <p:txBody>
+          <a:bodyPr wrap="square" rtlCol="0">
+            <a:spAutoFit/>
+          </a:bodyPr>
+          <a:lstStyle/>
+          <a:p>
+            <a:r>
+              <a:rPr lang="en-US" altLang="zh-CN" sz="1600" dirty="0"/>
+              <a:t>(0,2)=&gt;(5,4,1)</a:t>
+            </a:r>
+          </a:p>
+          <a:p>
+            <a:r>
+              <a:rPr lang="en-US" altLang="zh-CN" sz="1600" dirty="0"/>
+              <a:t>g=2 h=7 (0,1)</a:t>
+            </a:r>
+          </a:p>
+          <a:p>
+            <a:r>
+              <a:rPr lang="en-US" altLang="zh-CN" sz="1600" dirty="0"/>
+              <a:t>f=9</a:t>
+            </a:r>
+            <a:endParaRPr lang="zh-CN" altLang="en-US" sz="1600" dirty="0"/>
+          </a:p>
+        </p:txBody>
+      </p:sp>
+      <p:sp>
+        <p:nvSpPr>
+          <p:cNvPr id="64" name="文本框 63">
+            <a:extLst>
+              <a:ext uri="{FF2B5EF4-FFF2-40B4-BE49-F238E27FC236}">
+                <a16:creationId xmlns:a16="http://schemas.microsoft.com/office/drawing/2014/main" id="{CA16EFBA-0F4A-43B4-8E22-E71CA1B280CB}"/>
+              </a:ext>
+            </a:extLst>
+          </p:cNvPr>
+          <p:cNvSpPr txBox="1"/>
+          <p:nvPr/>
+        </p:nvSpPr>
+        <p:spPr>
+          <a:xfrm>
+            <a:off x="7922429" y="2054259"/>
+            <a:ext cx="1594058" cy="830997"/>
+          </a:xfrm>
+          <a:prstGeom prst="rect">
+            <a:avLst/>
+          </a:prstGeom>
+          <a:noFill/>
+        </p:spPr>
+        <p:txBody>
+          <a:bodyPr wrap="square" rtlCol="0">
+            <a:spAutoFit/>
+          </a:bodyPr>
+          <a:lstStyle/>
+          <a:p>
+            <a:r>
+              <a:rPr lang="en-US" altLang="zh-CN" sz="1600" dirty="0"/>
+              <a:t>(0,1)=&gt;(5,3,1)</a:t>
+            </a:r>
+          </a:p>
+          <a:p>
+            <a:r>
+              <a:rPr lang="en-US" altLang="zh-CN" sz="1600" dirty="0"/>
+              <a:t>g=2 h=6 (0,2)</a:t>
+            </a:r>
+          </a:p>
+          <a:p>
+            <a:r>
+              <a:rPr lang="en-US" altLang="zh-CN" sz="1600" dirty="0"/>
+              <a:t>f=8</a:t>
+            </a:r>
+            <a:endParaRPr lang="zh-CN" altLang="en-US" sz="1600" dirty="0"/>
+          </a:p>
+        </p:txBody>
+      </p:sp>
+      <p:sp>
+        <p:nvSpPr>
+          <p:cNvPr id="65" name="文本框 64">
+            <a:extLst>
+              <a:ext uri="{FF2B5EF4-FFF2-40B4-BE49-F238E27FC236}">
+                <a16:creationId xmlns:a16="http://schemas.microsoft.com/office/drawing/2014/main" id="{072DBE1C-E228-4F7C-9DC9-03DC6AE4D80A}"/>
+              </a:ext>
+            </a:extLst>
+          </p:cNvPr>
+          <p:cNvSpPr txBox="1"/>
+          <p:nvPr/>
+        </p:nvSpPr>
+        <p:spPr>
+          <a:xfrm>
+            <a:off x="4501942" y="3228009"/>
+            <a:ext cx="1594058" cy="338554"/>
+          </a:xfrm>
+          <a:prstGeom prst="rect">
+            <a:avLst/>
+          </a:prstGeom>
+          <a:noFill/>
+        </p:spPr>
+        <p:txBody>
+          <a:bodyPr wrap="square" rtlCol="0">
+            <a:spAutoFit/>
+          </a:bodyPr>
+          <a:lstStyle/>
+          <a:p>
+            <a:r>
+              <a:rPr lang="en-US" altLang="zh-CN" sz="1600" dirty="0"/>
+              <a:t>(0,1)=&gt;(5,2,0)</a:t>
+            </a:r>
+            <a:endParaRPr lang="zh-CN" altLang="en-US" sz="1600" dirty="0"/>
+          </a:p>
+        </p:txBody>
+      </p:sp>
+      <p:sp>
+        <p:nvSpPr>
+          <p:cNvPr id="66" name="文本框 65">
+            <a:extLst>
+              <a:ext uri="{FF2B5EF4-FFF2-40B4-BE49-F238E27FC236}">
+                <a16:creationId xmlns:a16="http://schemas.microsoft.com/office/drawing/2014/main" id="{EB4A4A17-DB8B-4679-87E3-2BB5FF5C2F32}"/>
+              </a:ext>
+            </a:extLst>
+          </p:cNvPr>
+          <p:cNvSpPr txBox="1"/>
+          <p:nvPr/>
+        </p:nvSpPr>
+        <p:spPr>
+          <a:xfrm>
+            <a:off x="6323689" y="3228008"/>
+            <a:ext cx="1594058" cy="830997"/>
+          </a:xfrm>
+          <a:prstGeom prst="rect">
+            <a:avLst/>
+          </a:prstGeom>
+          <a:noFill/>
+        </p:spPr>
+        <p:txBody>
+          <a:bodyPr wrap="square" rtlCol="0">
+            <a:spAutoFit/>
+          </a:bodyPr>
+          <a:lstStyle/>
+          <a:p>
+            <a:r>
+              <a:rPr lang="en-US" altLang="zh-CN" sz="1600" dirty="0"/>
+              <a:t>(0,2)=&gt;(5,1,0)</a:t>
+            </a:r>
+          </a:p>
+          <a:p>
+            <a:r>
+              <a:rPr lang="en-US" altLang="zh-CN" sz="1600" dirty="0"/>
+              <a:t>g=3 h=6 (0,4)</a:t>
+            </a:r>
+          </a:p>
+          <a:p>
+            <a:r>
+              <a:rPr lang="en-US" altLang="zh-CN" sz="1600" dirty="0"/>
+              <a:t>f=9</a:t>
+            </a:r>
+            <a:endParaRPr lang="zh-CN" altLang="en-US" sz="1600" dirty="0"/>
+          </a:p>
+        </p:txBody>
+      </p:sp>
+      <p:sp>
+        <p:nvSpPr>
+          <p:cNvPr id="67" name="文本框 66">
+            <a:extLst>
+              <a:ext uri="{FF2B5EF4-FFF2-40B4-BE49-F238E27FC236}">
+                <a16:creationId xmlns:a16="http://schemas.microsoft.com/office/drawing/2014/main" id="{6C416FA1-5F1D-4A34-9CFA-A1D8F87E98A5}"/>
+              </a:ext>
+            </a:extLst>
+          </p:cNvPr>
+          <p:cNvSpPr txBox="1"/>
+          <p:nvPr/>
+        </p:nvSpPr>
+        <p:spPr>
+          <a:xfrm>
+            <a:off x="8374828" y="3228006"/>
+            <a:ext cx="1594058" cy="830997"/>
+          </a:xfrm>
+          <a:prstGeom prst="rect">
+            <a:avLst/>
+          </a:prstGeom>
+          <a:noFill/>
+        </p:spPr>
+        <p:txBody>
+          <a:bodyPr wrap="square" rtlCol="0">
+            <a:spAutoFit/>
+          </a:bodyPr>
+          <a:lstStyle/>
+          <a:p>
+            <a:r>
+              <a:rPr lang="en-US" altLang="zh-CN" sz="1600" dirty="0"/>
+              <a:t>(0,3)=&gt;(5,0,0)</a:t>
+            </a:r>
+          </a:p>
+          <a:p>
+            <a:r>
+              <a:rPr lang="en-US" altLang="zh-CN" sz="1600" dirty="0"/>
+              <a:t>g=3 h=5</a:t>
+            </a:r>
+          </a:p>
+          <a:p>
+            <a:r>
+              <a:rPr lang="en-US" altLang="zh-CN" sz="1600" dirty="0"/>
+              <a:t>f=8</a:t>
+            </a:r>
+            <a:endParaRPr lang="zh-CN" altLang="en-US" sz="1600" dirty="0"/>
+          </a:p>
+        </p:txBody>
+      </p:sp>
+      <p:sp>
+        <p:nvSpPr>
+          <p:cNvPr id="70" name="文本框 69">
+            <a:extLst>
+              <a:ext uri="{FF2B5EF4-FFF2-40B4-BE49-F238E27FC236}">
+                <a16:creationId xmlns:a16="http://schemas.microsoft.com/office/drawing/2014/main" id="{29A564B4-AA15-47B9-8DC2-FD11E638E4D3}"/>
+              </a:ext>
+            </a:extLst>
+          </p:cNvPr>
+          <p:cNvSpPr txBox="1"/>
+          <p:nvPr/>
+        </p:nvSpPr>
+        <p:spPr>
+          <a:xfrm>
+            <a:off x="10116148" y="3230712"/>
+            <a:ext cx="1594058" cy="830997"/>
+          </a:xfrm>
+          <a:prstGeom prst="rect">
+            <a:avLst/>
+          </a:prstGeom>
+          <a:noFill/>
+        </p:spPr>
+        <p:txBody>
+          <a:bodyPr wrap="square" rtlCol="0">
+            <a:spAutoFit/>
+          </a:bodyPr>
+          <a:lstStyle/>
+          <a:p>
+            <a:r>
+              <a:rPr lang="en-US" altLang="zh-CN" sz="1600" dirty="0"/>
+              <a:t>(2,0)=&gt;(3,3,0)</a:t>
+            </a:r>
+          </a:p>
+          <a:p>
+            <a:r>
+              <a:rPr lang="en-US" altLang="zh-CN" sz="1600" dirty="0"/>
+              <a:t>g=3 h=6 (2,2)</a:t>
+            </a:r>
+          </a:p>
+          <a:p>
+            <a:r>
+              <a:rPr lang="en-US" altLang="zh-CN" sz="1600" dirty="0"/>
+              <a:t>f=9</a:t>
+            </a:r>
+            <a:endParaRPr lang="zh-CN" altLang="en-US" sz="1600" dirty="0"/>
+          </a:p>
+        </p:txBody>
+      </p:sp>
+      <p:sp>
+        <p:nvSpPr>
+          <p:cNvPr id="72" name="文本框 71">
+            <a:extLst>
+              <a:ext uri="{FF2B5EF4-FFF2-40B4-BE49-F238E27FC236}">
+                <a16:creationId xmlns:a16="http://schemas.microsoft.com/office/drawing/2014/main" id="{E3098E34-66D6-490E-BADD-0CCEC1AC91E0}"/>
+              </a:ext>
+            </a:extLst>
+          </p:cNvPr>
+          <p:cNvSpPr txBox="1"/>
+          <p:nvPr/>
+        </p:nvSpPr>
+        <p:spPr>
+          <a:xfrm>
+            <a:off x="5185713" y="4526345"/>
+            <a:ext cx="1594058" cy="830997"/>
+          </a:xfrm>
+          <a:prstGeom prst="rect">
+            <a:avLst/>
+          </a:prstGeom>
+          <a:noFill/>
+        </p:spPr>
+        <p:txBody>
+          <a:bodyPr wrap="square" rtlCol="0">
+            <a:spAutoFit/>
+          </a:bodyPr>
+          <a:lstStyle/>
+          <a:p>
+            <a:r>
+              <a:rPr lang="en-US" altLang="zh-CN" sz="1600" dirty="0"/>
+              <a:t>(0,1)=&gt;(5,2,1)</a:t>
+            </a:r>
+          </a:p>
+          <a:p>
+            <a:r>
+              <a:rPr lang="en-US" altLang="zh-CN" sz="1600" dirty="0"/>
+              <a:t>g=4 h=4 (0,3)</a:t>
+            </a:r>
+          </a:p>
+          <a:p>
+            <a:r>
+              <a:rPr lang="en-US" altLang="zh-CN" sz="1600" dirty="0"/>
+              <a:t>F=8</a:t>
+            </a:r>
+            <a:endParaRPr lang="zh-CN" altLang="en-US" sz="1600" dirty="0"/>
+          </a:p>
+        </p:txBody>
+      </p:sp>
+      <p:cxnSp>
+        <p:nvCxnSpPr>
+          <p:cNvPr id="74" name="直接连接符 73">
+            <a:extLst>
+              <a:ext uri="{FF2B5EF4-FFF2-40B4-BE49-F238E27FC236}">
+                <a16:creationId xmlns:a16="http://schemas.microsoft.com/office/drawing/2014/main" id="{FAD0AEE4-7051-47AB-9C66-099E6A897931}"/>
+              </a:ext>
+            </a:extLst>
+          </p:cNvPr>
+          <p:cNvCxnSpPr/>
+          <p:nvPr/>
+        </p:nvCxnSpPr>
+        <p:spPr>
+          <a:xfrm flipV="1">
+            <a:off x="854579" y="2054260"/>
+            <a:ext cx="1529698" cy="830997"/>
+          </a:xfrm>
+          <a:prstGeom prst="line">
+            <a:avLst/>
+          </a:prstGeom>
+          <a:ln w="28575">
+            <a:solidFill>
+              <a:srgbClr val="FF0000"/>
+            </a:solidFill>
+          </a:ln>
+        </p:spPr>
+        <p:style>
+          <a:lnRef idx="1">
+            <a:schemeClr val="accent1"/>
+          </a:lnRef>
+          <a:fillRef idx="0">
+            <a:schemeClr val="accent1"/>
+          </a:fillRef>
+          <a:effectRef idx="0">
+            <a:schemeClr val="accent1"/>
+          </a:effectRef>
+          <a:fontRef idx="minor">
+            <a:schemeClr val="tx1"/>
+          </a:fontRef>
+        </p:style>
+      </p:cxnSp>
+      <p:cxnSp>
+        <p:nvCxnSpPr>
+          <p:cNvPr id="75" name="直接连接符 74">
+            <a:extLst>
+              <a:ext uri="{FF2B5EF4-FFF2-40B4-BE49-F238E27FC236}">
+                <a16:creationId xmlns:a16="http://schemas.microsoft.com/office/drawing/2014/main" id="{C8F4D14C-DCA7-4803-9052-652834F81656}"/>
+              </a:ext>
+            </a:extLst>
+          </p:cNvPr>
+          <p:cNvCxnSpPr/>
+          <p:nvPr/>
+        </p:nvCxnSpPr>
+        <p:spPr>
+          <a:xfrm flipV="1">
+            <a:off x="4486139" y="3151064"/>
+            <a:ext cx="1529698" cy="830997"/>
+          </a:xfrm>
+          <a:prstGeom prst="line">
+            <a:avLst/>
+          </a:prstGeom>
+          <a:ln w="28575">
+            <a:solidFill>
+              <a:srgbClr val="FF0000"/>
+            </a:solidFill>
+          </a:ln>
+        </p:spPr>
+        <p:style>
+          <a:lnRef idx="1">
+            <a:schemeClr val="accent1"/>
+          </a:lnRef>
+          <a:fillRef idx="0">
+            <a:schemeClr val="accent1"/>
+          </a:fillRef>
+          <a:effectRef idx="0">
+            <a:schemeClr val="accent1"/>
+          </a:effectRef>
+          <a:fontRef idx="minor">
+            <a:schemeClr val="tx1"/>
+          </a:fontRef>
+        </p:style>
+      </p:cxnSp>
+      <p:sp>
+        <p:nvSpPr>
+          <p:cNvPr id="76" name="文本框 75">
+            <a:extLst>
+              <a:ext uri="{FF2B5EF4-FFF2-40B4-BE49-F238E27FC236}">
+                <a16:creationId xmlns:a16="http://schemas.microsoft.com/office/drawing/2014/main" id="{2135FC23-701A-498F-950A-4CDE06395B30}"/>
+              </a:ext>
+            </a:extLst>
+          </p:cNvPr>
+          <p:cNvSpPr txBox="1"/>
+          <p:nvPr/>
+        </p:nvSpPr>
+        <p:spPr>
+          <a:xfrm>
+            <a:off x="2287738" y="3198515"/>
+            <a:ext cx="1594058" cy="1077218"/>
+          </a:xfrm>
+          <a:prstGeom prst="rect">
+            <a:avLst/>
+          </a:prstGeom>
+          <a:noFill/>
+        </p:spPr>
+        <p:txBody>
+          <a:bodyPr wrap="square" rtlCol="0">
+            <a:spAutoFit/>
+          </a:bodyPr>
+          <a:lstStyle/>
+          <a:p>
+            <a:r>
+              <a:rPr lang="en-US" altLang="zh-CN" sz="1600" dirty="0"/>
+              <a:t>(0,1)=&gt;(5,3,0)</a:t>
+            </a:r>
+          </a:p>
+          <a:p>
+            <a:r>
+              <a:rPr lang="en-US" altLang="zh-CN" sz="1600" dirty="0"/>
+              <a:t>(0,2)=&gt;(5,2,0)</a:t>
+            </a:r>
+          </a:p>
+          <a:p>
+            <a:r>
+              <a:rPr lang="en-US" altLang="zh-CN" sz="1600" dirty="0"/>
+              <a:t>(0,3)=&gt;(5,1,0)</a:t>
+            </a:r>
+          </a:p>
+          <a:p>
+            <a:r>
+              <a:rPr lang="en-US" altLang="zh-CN" sz="1600" dirty="0"/>
+              <a:t>(2,1)=&gt;(3,3,0)</a:t>
+            </a:r>
+          </a:p>
+        </p:txBody>
+      </p:sp>
+      <p:cxnSp>
+        <p:nvCxnSpPr>
+          <p:cNvPr id="77" name="直接连接符 76">
+            <a:extLst>
+              <a:ext uri="{FF2B5EF4-FFF2-40B4-BE49-F238E27FC236}">
+                <a16:creationId xmlns:a16="http://schemas.microsoft.com/office/drawing/2014/main" id="{05070075-44AC-4F31-AED9-D3FF7B5302AE}"/>
+              </a:ext>
+            </a:extLst>
+          </p:cNvPr>
+          <p:cNvCxnSpPr/>
+          <p:nvPr/>
+        </p:nvCxnSpPr>
+        <p:spPr>
+          <a:xfrm flipV="1">
+            <a:off x="2177221" y="3198511"/>
+            <a:ext cx="1529698" cy="830997"/>
+          </a:xfrm>
+          <a:prstGeom prst="line">
+            <a:avLst/>
+          </a:prstGeom>
+          <a:ln w="28575">
+            <a:solidFill>
+              <a:srgbClr val="FF0000"/>
+            </a:solidFill>
+          </a:ln>
+        </p:spPr>
+        <p:style>
+          <a:lnRef idx="1">
+            <a:schemeClr val="accent1"/>
+          </a:lnRef>
+          <a:fillRef idx="0">
+            <a:schemeClr val="accent1"/>
+          </a:fillRef>
+          <a:effectRef idx="0">
+            <a:schemeClr val="accent1"/>
+          </a:effectRef>
+          <a:fontRef idx="minor">
+            <a:schemeClr val="tx1"/>
+          </a:fontRef>
+        </p:style>
+      </p:cxnSp>
+      <p:sp>
+        <p:nvSpPr>
+          <p:cNvPr id="82" name="文本框 81">
+            <a:extLst>
+              <a:ext uri="{FF2B5EF4-FFF2-40B4-BE49-F238E27FC236}">
+                <a16:creationId xmlns:a16="http://schemas.microsoft.com/office/drawing/2014/main" id="{B626C67F-AEC8-411B-BBE9-2857204A29AF}"/>
+              </a:ext>
+            </a:extLst>
+          </p:cNvPr>
+          <p:cNvSpPr txBox="1"/>
+          <p:nvPr/>
+        </p:nvSpPr>
+        <p:spPr>
+          <a:xfrm>
+            <a:off x="6780770" y="4561925"/>
+            <a:ext cx="1594058" cy="338554"/>
+          </a:xfrm>
+          <a:prstGeom prst="rect">
+            <a:avLst/>
+          </a:prstGeom>
+          <a:noFill/>
+        </p:spPr>
+        <p:txBody>
+          <a:bodyPr wrap="square" rtlCol="0">
+            <a:spAutoFit/>
+          </a:bodyPr>
+          <a:lstStyle/>
+          <a:p>
+            <a:r>
+              <a:rPr lang="en-US" altLang="zh-CN" sz="1600" dirty="0"/>
+              <a:t>(0,2)=&gt;(5,3,1)</a:t>
+            </a:r>
+            <a:endParaRPr lang="zh-CN" altLang="en-US" sz="1600" dirty="0"/>
+          </a:p>
+        </p:txBody>
+      </p:sp>
+      <p:sp>
+        <p:nvSpPr>
+          <p:cNvPr id="83" name="文本框 82">
+            <a:extLst>
+              <a:ext uri="{FF2B5EF4-FFF2-40B4-BE49-F238E27FC236}">
+                <a16:creationId xmlns:a16="http://schemas.microsoft.com/office/drawing/2014/main" id="{F2A9C2AE-1277-4F81-81AE-1E910DF0B2B1}"/>
+              </a:ext>
+            </a:extLst>
+          </p:cNvPr>
+          <p:cNvSpPr txBox="1"/>
+          <p:nvPr/>
+        </p:nvSpPr>
+        <p:spPr>
+          <a:xfrm>
+            <a:off x="6779771" y="4894816"/>
+            <a:ext cx="1594058" cy="338554"/>
+          </a:xfrm>
+          <a:prstGeom prst="rect">
+            <a:avLst/>
+          </a:prstGeom>
+          <a:noFill/>
+        </p:spPr>
+        <p:txBody>
+          <a:bodyPr wrap="square" rtlCol="0">
+            <a:spAutoFit/>
+          </a:bodyPr>
+          <a:lstStyle/>
+          <a:p>
+            <a:r>
+              <a:rPr lang="en-US" altLang="zh-CN" sz="1600" dirty="0"/>
+              <a:t>(0,3)=&gt;(5,4,1)</a:t>
+            </a:r>
+            <a:endParaRPr lang="zh-CN" altLang="en-US" sz="1600" dirty="0"/>
+          </a:p>
+        </p:txBody>
+      </p:sp>
+      <p:sp>
+        <p:nvSpPr>
+          <p:cNvPr id="85" name="文本框 84">
+            <a:extLst>
+              <a:ext uri="{FF2B5EF4-FFF2-40B4-BE49-F238E27FC236}">
+                <a16:creationId xmlns:a16="http://schemas.microsoft.com/office/drawing/2014/main" id="{BA45F938-49B5-4E13-9B98-4C779C65DBBD}"/>
+              </a:ext>
+            </a:extLst>
+          </p:cNvPr>
+          <p:cNvSpPr txBox="1"/>
+          <p:nvPr/>
+        </p:nvSpPr>
+        <p:spPr>
+          <a:xfrm>
+            <a:off x="8977574" y="4526345"/>
+            <a:ext cx="1594058" cy="830997"/>
+          </a:xfrm>
+          <a:prstGeom prst="rect">
+            <a:avLst/>
+          </a:prstGeom>
+          <a:noFill/>
+        </p:spPr>
+        <p:txBody>
+          <a:bodyPr wrap="square" rtlCol="0">
+            <a:spAutoFit/>
+          </a:bodyPr>
+          <a:lstStyle/>
+          <a:p>
+            <a:r>
+              <a:rPr lang="en-US" altLang="zh-CN" sz="1600" dirty="0"/>
+              <a:t>(1,1)=&gt;(4,4,1)</a:t>
+            </a:r>
+          </a:p>
+          <a:p>
+            <a:r>
+              <a:rPr lang="en-US" altLang="zh-CN" sz="1600" dirty="0"/>
+              <a:t>g=4 h=6</a:t>
+            </a:r>
+          </a:p>
+          <a:p>
+            <a:r>
+              <a:rPr lang="en-US" altLang="zh-CN" sz="1600" dirty="0"/>
+              <a:t>f=10</a:t>
+            </a:r>
+            <a:endParaRPr lang="zh-CN" altLang="en-US" sz="1600" dirty="0"/>
+          </a:p>
+        </p:txBody>
+      </p:sp>
+      <p:sp>
+        <p:nvSpPr>
+          <p:cNvPr id="86" name="文本框 85">
+            <a:extLst>
+              <a:ext uri="{FF2B5EF4-FFF2-40B4-BE49-F238E27FC236}">
+                <a16:creationId xmlns:a16="http://schemas.microsoft.com/office/drawing/2014/main" id="{32AA17B2-B9A5-4D02-9D39-2AA6C7B85E03}"/>
+              </a:ext>
+            </a:extLst>
+          </p:cNvPr>
+          <p:cNvSpPr txBox="1"/>
+          <p:nvPr/>
+        </p:nvSpPr>
+        <p:spPr>
+          <a:xfrm>
+            <a:off x="11120574" y="4526345"/>
+            <a:ext cx="1594058" cy="338554"/>
+          </a:xfrm>
+          <a:prstGeom prst="rect">
+            <a:avLst/>
+          </a:prstGeom>
+          <a:noFill/>
+        </p:spPr>
+        <p:txBody>
+          <a:bodyPr wrap="square" rtlCol="0">
+            <a:spAutoFit/>
+          </a:bodyPr>
+          <a:lstStyle/>
+          <a:p>
+            <a:r>
+              <a:rPr lang="en-US" altLang="zh-CN" sz="1600" dirty="0"/>
+              <a:t>(2,1)=&gt;(5,4,1)</a:t>
+            </a:r>
+            <a:endParaRPr lang="zh-CN" altLang="en-US" sz="1600" dirty="0"/>
+          </a:p>
+        </p:txBody>
+      </p:sp>
     </p:spTree>
     <p:extLst>
       <p:ext uri="{BB962C8B-B14F-4D97-AF65-F5344CB8AC3E}">
